--- a/eindpresentatie.pptx
+++ b/eindpresentatie.pptx
@@ -5,7 +5,7 @@
     <p:sldMasterId id="2147483648" r:id="rId1"/>
   </p:sldMasterIdLst>
   <p:notesMasterIdLst>
-    <p:notesMasterId r:id="rId18"/>
+    <p:notesMasterId r:id="rId17"/>
   </p:notesMasterIdLst>
   <p:sldIdLst>
     <p:sldId id="256" r:id="rId2"/>
@@ -14,16 +14,15 @@
     <p:sldId id="263" r:id="rId5"/>
     <p:sldId id="257" r:id="rId6"/>
     <p:sldId id="259" r:id="rId7"/>
-    <p:sldId id="273" r:id="rId8"/>
-    <p:sldId id="265" r:id="rId9"/>
-    <p:sldId id="275" r:id="rId10"/>
-    <p:sldId id="264" r:id="rId11"/>
-    <p:sldId id="266" r:id="rId12"/>
-    <p:sldId id="276" r:id="rId13"/>
-    <p:sldId id="271" r:id="rId14"/>
-    <p:sldId id="277" r:id="rId15"/>
-    <p:sldId id="274" r:id="rId16"/>
-    <p:sldId id="272" r:id="rId17"/>
+    <p:sldId id="265" r:id="rId8"/>
+    <p:sldId id="275" r:id="rId9"/>
+    <p:sldId id="264" r:id="rId10"/>
+    <p:sldId id="266" r:id="rId11"/>
+    <p:sldId id="276" r:id="rId12"/>
+    <p:sldId id="271" r:id="rId13"/>
+    <p:sldId id="277" r:id="rId14"/>
+    <p:sldId id="274" r:id="rId15"/>
+    <p:sldId id="272" r:id="rId16"/>
   </p:sldIdLst>
   <p:sldSz cx="12192000" cy="6858000"/>
   <p:notesSz cx="6858000" cy="9144000"/>
@@ -1271,7 +1270,6 @@
               <a:rPr lang="nl-NL"/>
               <a:t>Vijfde niveau</a:t>
             </a:r>
-            <a:endParaRPr lang="nl-NL"/>
           </a:p>
         </p:txBody>
       </p:sp>
@@ -4634,236 +4632,6 @@
       </p:grpSpPr>
       <p:sp>
         <p:nvSpPr>
-          <p:cNvPr id="2" name="Titel 1"/>
-          <p:cNvSpPr>
-            <a:spLocks noGrp="1"/>
-          </p:cNvSpPr>
-          <p:nvPr>
-            <p:ph type="title"/>
-          </p:nvPr>
-        </p:nvSpPr>
-        <p:spPr/>
-        <p:txBody>
-          <a:bodyPr/>
-          <a:lstStyle/>
-          <a:p>
-            <a:r>
-              <a:rPr lang="nl-NL" u="sng" dirty="0"/>
-              <a:t>ALGORITME OPDRACHT 2 </a:t>
-            </a:r>
-          </a:p>
-        </p:txBody>
-      </p:sp>
-      <p:sp>
-        <p:nvSpPr>
-          <p:cNvPr id="3" name="Tijdelijke aanduiding voor inhoud 2"/>
-          <p:cNvSpPr>
-            <a:spLocks noGrp="1"/>
-          </p:cNvSpPr>
-          <p:nvPr>
-            <p:ph idx="1"/>
-          </p:nvPr>
-        </p:nvSpPr>
-        <p:spPr>
-          <a:xfrm>
-            <a:off x="838200" y="1825625"/>
-            <a:ext cx="9164562" cy="4351338"/>
-          </a:xfrm>
-        </p:spPr>
-        <p:txBody>
-          <a:bodyPr>
-            <a:normAutofit/>
-          </a:bodyPr>
-          <a:lstStyle/>
-          <a:p>
-            <a:r>
-              <a:rPr lang="nl-NL" dirty="0"/>
-              <a:t>Iteratief algoritme</a:t>
-            </a:r>
-          </a:p>
-          <a:p>
-            <a:pPr lvl="1">
-              <a:buFont typeface="Wingdings" charset="2"/>
-              <a:buChar char="Ø"/>
-            </a:pPr>
-            <a:endParaRPr lang="nl-NL" dirty="0"/>
-          </a:p>
-          <a:p>
-            <a:pPr lvl="1">
-              <a:buFont typeface="Wingdings" charset="2"/>
-              <a:buChar char="Ø"/>
-            </a:pPr>
-            <a:r>
-              <a:rPr lang="nl-NL" dirty="0"/>
-              <a:t>  Random sampling</a:t>
-            </a:r>
-          </a:p>
-          <a:p>
-            <a:pPr lvl="1">
-              <a:buFont typeface="Wingdings" charset="2"/>
-              <a:buChar char="Ø"/>
-            </a:pPr>
-            <a:endParaRPr lang="nl-NL" dirty="0"/>
-          </a:p>
-          <a:p>
-            <a:pPr lvl="1">
-              <a:buFont typeface="Wingdings" charset="2"/>
-              <a:buChar char="Ø"/>
-            </a:pPr>
-            <a:r>
-              <a:rPr lang="nl-NL" dirty="0"/>
-              <a:t> Hill </a:t>
-            </a:r>
-            <a:r>
-              <a:rPr lang="nl-NL" dirty="0" err="1"/>
-              <a:t>climbing</a:t>
-            </a:r>
-            <a:r>
-              <a:rPr lang="nl-NL" dirty="0"/>
-              <a:t> algoritme</a:t>
-            </a:r>
-          </a:p>
-          <a:p>
-            <a:pPr lvl="2">
-              <a:buFont typeface="Courier New"/>
-              <a:buChar char="o"/>
-            </a:pPr>
-            <a:r>
-              <a:rPr lang="nl-NL" dirty="0"/>
-              <a:t>Klassieke </a:t>
-            </a:r>
-            <a:r>
-              <a:rPr lang="nl-NL" dirty="0" err="1"/>
-              <a:t>hill</a:t>
-            </a:r>
-            <a:r>
-              <a:rPr lang="nl-NL" dirty="0"/>
-              <a:t> </a:t>
-            </a:r>
-            <a:r>
-              <a:rPr lang="nl-NL" dirty="0" err="1"/>
-              <a:t>climber</a:t>
-            </a:r>
-            <a:endParaRPr lang="nl-NL" dirty="0"/>
-          </a:p>
-          <a:p>
-            <a:pPr lvl="2">
-              <a:buFont typeface="Courier New"/>
-              <a:buChar char="o"/>
-            </a:pPr>
-            <a:r>
-              <a:rPr lang="nl-NL" dirty="0" err="1"/>
-              <a:t>Lowest</a:t>
-            </a:r>
-            <a:r>
-              <a:rPr lang="nl-NL" dirty="0"/>
-              <a:t> </a:t>
-            </a:r>
-            <a:r>
-              <a:rPr lang="nl-NL" dirty="0" err="1"/>
-              <a:t>choice</a:t>
-            </a:r>
-            <a:r>
-              <a:rPr lang="nl-NL" dirty="0"/>
-              <a:t> </a:t>
-            </a:r>
-            <a:r>
-              <a:rPr lang="nl-NL" dirty="0" err="1"/>
-              <a:t>hillclimber</a:t>
-            </a:r>
-            <a:endParaRPr lang="nl-NL" dirty="0"/>
-          </a:p>
-          <a:p>
-            <a:pPr marL="0" indent="0">
-              <a:buNone/>
-            </a:pPr>
-            <a:br>
-              <a:rPr lang="nl-NL" dirty="0"/>
-            </a:br>
-            <a:endParaRPr lang="nl-NL" dirty="0"/>
-          </a:p>
-        </p:txBody>
-      </p:sp>
-      <p:pic>
-        <p:nvPicPr>
-          <p:cNvPr id="8" name="Afbeelding 7"/>
-          <p:cNvPicPr>
-            <a:picLocks noChangeAspect="1"/>
-          </p:cNvPicPr>
-          <p:nvPr/>
-        </p:nvPicPr>
-        <p:blipFill>
-          <a:blip r:embed="rId2"/>
-          <a:stretch>
-            <a:fillRect/>
-          </a:stretch>
-        </p:blipFill>
-        <p:spPr>
-          <a:xfrm>
-            <a:off x="9757833" y="304114"/>
-            <a:ext cx="2434167" cy="1120099"/>
-          </a:xfrm>
-          <a:prstGeom prst="rect">
-            <a:avLst/>
-          </a:prstGeom>
-        </p:spPr>
-      </p:pic>
-      <p:pic>
-        <p:nvPicPr>
-          <p:cNvPr id="4" name="Afbeelding 3"/>
-          <p:cNvPicPr>
-            <a:picLocks noChangeAspect="1"/>
-          </p:cNvPicPr>
-          <p:nvPr/>
-        </p:nvPicPr>
-        <p:blipFill>
-          <a:blip r:embed="rId3"/>
-          <a:stretch>
-            <a:fillRect/>
-          </a:stretch>
-        </p:blipFill>
-        <p:spPr>
-          <a:xfrm>
-            <a:off x="7136390" y="1690688"/>
-            <a:ext cx="3364706" cy="4486275"/>
-          </a:xfrm>
-          <a:prstGeom prst="rect">
-            <a:avLst/>
-          </a:prstGeom>
-        </p:spPr>
-      </p:pic>
-    </p:spTree>
-    <p:extLst>
-      <p:ext uri="{BB962C8B-B14F-4D97-AF65-F5344CB8AC3E}">
-        <p14:creationId xmlns:p14="http://schemas.microsoft.com/office/powerpoint/2010/main" val="3856841804"/>
-      </p:ext>
-    </p:extLst>
-  </p:cSld>
-  <p:clrMapOvr>
-    <a:masterClrMapping/>
-  </p:clrMapOvr>
-</p:sld>
-</file>
-
-<file path=ppt/slides/slide11.xml><?xml version="1.0" encoding="utf-8"?>
-<p:sld xmlns:a="http://schemas.openxmlformats.org/drawingml/2006/main" xmlns:r="http://schemas.openxmlformats.org/officeDocument/2006/relationships" xmlns:p="http://schemas.openxmlformats.org/presentationml/2006/main">
-  <p:cSld>
-    <p:spTree>
-      <p:nvGrpSpPr>
-        <p:cNvPr id="1" name=""/>
-        <p:cNvGrpSpPr/>
-        <p:nvPr/>
-      </p:nvGrpSpPr>
-      <p:grpSpPr>
-        <a:xfrm>
-          <a:off x="0" y="0"/>
-          <a:ext cx="0" cy="0"/>
-          <a:chOff x="0" y="0"/>
-          <a:chExt cx="0" cy="0"/>
-        </a:xfrm>
-      </p:grpSpPr>
-      <p:sp>
-        <p:nvSpPr>
           <p:cNvPr id="3" name="Tijdelijke aanduiding voor inhoud 2"/>
           <p:cNvSpPr>
             <a:spLocks noGrp="1"/>
@@ -5004,7 +4772,7 @@
 </p:sld>
 </file>
 
-<file path=ppt/slides/slide12.xml><?xml version="1.0" encoding="utf-8"?>
+<file path=ppt/slides/slide11.xml><?xml version="1.0" encoding="utf-8"?>
 <p:sld xmlns:a="http://schemas.openxmlformats.org/drawingml/2006/main" xmlns:r="http://schemas.openxmlformats.org/officeDocument/2006/relationships" xmlns:p="http://schemas.openxmlformats.org/presentationml/2006/main">
   <p:cSld>
     <p:spTree>
@@ -5754,7 +5522,7 @@
 </p:sld>
 </file>
 
-<file path=ppt/slides/slide13.xml><?xml version="1.0" encoding="utf-8"?>
+<file path=ppt/slides/slide12.xml><?xml version="1.0" encoding="utf-8"?>
 <p:sld xmlns:a="http://schemas.openxmlformats.org/drawingml/2006/main" xmlns:r="http://schemas.openxmlformats.org/officeDocument/2006/relationships" xmlns:p="http://schemas.openxmlformats.org/presentationml/2006/main">
   <p:cSld>
     <p:spTree>
@@ -5871,7 +5639,7 @@
 </p:sld>
 </file>
 
-<file path=ppt/slides/slide14.xml><?xml version="1.0" encoding="utf-8"?>
+<file path=ppt/slides/slide13.xml><?xml version="1.0" encoding="utf-8"?>
 <p:sld xmlns:a="http://schemas.openxmlformats.org/drawingml/2006/main" xmlns:r="http://schemas.openxmlformats.org/officeDocument/2006/relationships" xmlns:p="http://schemas.openxmlformats.org/presentationml/2006/main">
   <p:cSld>
     <p:spTree>
@@ -5904,7 +5672,7 @@
           <a:lstStyle/>
           <a:p>
             <a:r>
-              <a:rPr lang="nl-NL" dirty="0"/>
+              <a:rPr lang="nl-NL" u="sng" dirty="0"/>
               <a:t>Conclusies</a:t>
             </a:r>
           </a:p>
@@ -6044,7 +5812,7 @@
 </p:sld>
 </file>
 
-<file path=ppt/slides/slide15.xml><?xml version="1.0" encoding="utf-8"?>
+<file path=ppt/slides/slide14.xml><?xml version="1.0" encoding="utf-8"?>
 <p:sld xmlns:a="http://schemas.openxmlformats.org/drawingml/2006/main" xmlns:r="http://schemas.openxmlformats.org/officeDocument/2006/relationships" xmlns:p="http://schemas.openxmlformats.org/presentationml/2006/main">
   <p:cSld>
     <p:spTree>
@@ -6136,7 +5904,7 @@
 </p:sld>
 </file>
 
-<file path=ppt/slides/slide16.xml><?xml version="1.0" encoding="utf-8"?>
+<file path=ppt/slides/slide15.xml><?xml version="1.0" encoding="utf-8"?>
 <p:sld xmlns:a="http://schemas.openxmlformats.org/drawingml/2006/main" xmlns:r="http://schemas.openxmlformats.org/officeDocument/2006/relationships" xmlns:p="http://schemas.openxmlformats.org/presentationml/2006/main">
   <p:cSld>
     <p:spTree>
@@ -7393,148 +7161,6 @@
           </a:p>
         </p:txBody>
       </p:sp>
-      <p:pic>
-        <p:nvPicPr>
-          <p:cNvPr id="5" name="Afbeelding 4"/>
-          <p:cNvPicPr>
-            <a:picLocks noChangeAspect="1"/>
-          </p:cNvPicPr>
-          <p:nvPr/>
-        </p:nvPicPr>
-        <p:blipFill>
-          <a:blip r:embed="rId2"/>
-          <a:stretch>
-            <a:fillRect/>
-          </a:stretch>
-        </p:blipFill>
-        <p:spPr>
-          <a:xfrm>
-            <a:off x="9119810" y="271515"/>
-            <a:ext cx="2836334" cy="875113"/>
-          </a:xfrm>
-          <a:prstGeom prst="rect">
-            <a:avLst/>
-          </a:prstGeom>
-        </p:spPr>
-      </p:pic>
-      <p:sp>
-        <p:nvSpPr>
-          <p:cNvPr id="6" name="Titel 1"/>
-          <p:cNvSpPr txBox="1">
-            <a:spLocks/>
-          </p:cNvSpPr>
-          <p:nvPr/>
-        </p:nvSpPr>
-        <p:spPr>
-          <a:xfrm>
-            <a:off x="845457" y="2307620"/>
-            <a:ext cx="10515600" cy="1325563"/>
-          </a:xfrm>
-          <a:prstGeom prst="rect">
-            <a:avLst/>
-          </a:prstGeom>
-        </p:spPr>
-        <p:txBody>
-          <a:bodyPr vert="horz" lIns="91440" tIns="45720" rIns="91440" bIns="45720" rtlCol="0" anchor="ctr">
-            <a:normAutofit/>
-          </a:bodyPr>
-          <a:lstStyle>
-            <a:lvl1pPr algn="l" defTabSz="914400" rtl="0" eaLnBrk="1" latinLnBrk="0" hangingPunct="1">
-              <a:lnSpc>
-                <a:spcPct val="90000"/>
-              </a:lnSpc>
-              <a:spcBef>
-                <a:spcPct val="0"/>
-              </a:spcBef>
-              <a:buNone/>
-              <a:defRPr sz="4400" kern="1200">
-                <a:solidFill>
-                  <a:schemeClr val="tx1"/>
-                </a:solidFill>
-                <a:latin typeface="+mj-lt"/>
-                <a:ea typeface="+mj-ea"/>
-                <a:cs typeface="+mj-cs"/>
-              </a:defRPr>
-            </a:lvl1pPr>
-          </a:lstStyle>
-          <a:p>
-            <a:pPr algn="ctr"/>
-            <a:r>
-              <a:rPr lang="nl-NL" u="sng" dirty="0"/>
-              <a:t>RESULTATEN OPDRACHT 1</a:t>
-            </a:r>
-          </a:p>
-        </p:txBody>
-      </p:sp>
-    </p:spTree>
-    <p:extLst>
-      <p:ext uri="{BB962C8B-B14F-4D97-AF65-F5344CB8AC3E}">
-        <p14:creationId xmlns:p14="http://schemas.microsoft.com/office/powerpoint/2010/main" val="4021967561"/>
-      </p:ext>
-    </p:extLst>
-  </p:cSld>
-  <p:clrMapOvr>
-    <a:masterClrMapping/>
-  </p:clrMapOvr>
-</p:sld>
-</file>
-
-<file path=ppt/slides/slide8.xml><?xml version="1.0" encoding="utf-8"?>
-<p:sld xmlns:a="http://schemas.openxmlformats.org/drawingml/2006/main" xmlns:r="http://schemas.openxmlformats.org/officeDocument/2006/relationships" xmlns:p="http://schemas.openxmlformats.org/presentationml/2006/main">
-  <p:cSld>
-    <p:spTree>
-      <p:nvGrpSpPr>
-        <p:cNvPr id="1" name=""/>
-        <p:cNvGrpSpPr/>
-        <p:nvPr/>
-      </p:nvGrpSpPr>
-      <p:grpSpPr>
-        <a:xfrm>
-          <a:off x="0" y="0"/>
-          <a:ext cx="0" cy="0"/>
-          <a:chOff x="0" y="0"/>
-          <a:chExt cx="0" cy="0"/>
-        </a:xfrm>
-      </p:grpSpPr>
-      <p:sp>
-        <p:nvSpPr>
-          <p:cNvPr id="3" name="Tijdelijke aanduiding voor inhoud 2"/>
-          <p:cNvSpPr>
-            <a:spLocks noGrp="1"/>
-          </p:cNvSpPr>
-          <p:nvPr>
-            <p:ph idx="1"/>
-          </p:nvPr>
-        </p:nvSpPr>
-        <p:spPr>
-          <a:xfrm>
-            <a:off x="838200" y="1825625"/>
-            <a:ext cx="9164562" cy="4351338"/>
-          </a:xfrm>
-        </p:spPr>
-        <p:txBody>
-          <a:bodyPr>
-            <a:normAutofit/>
-          </a:bodyPr>
-          <a:lstStyle/>
-          <a:p>
-            <a:pPr lvl="1">
-              <a:buFont typeface="Wingdings" charset="2"/>
-              <a:buChar char="Ø"/>
-            </a:pPr>
-            <a:endParaRPr lang="nl-NL" dirty="0"/>
-          </a:p>
-          <a:p>
-            <a:pPr marL="0" indent="0">
-              <a:buNone/>
-            </a:pPr>
-            <a:br>
-              <a:rPr lang="nl-NL" dirty="0"/>
-            </a:br>
-            <a:endParaRPr lang="nl-NL" dirty="0"/>
-          </a:p>
-        </p:txBody>
-      </p:sp>
       <p:graphicFrame>
         <p:nvGraphicFramePr>
           <p:cNvPr id="7" name="Grafiek 6"/>
@@ -7644,7 +7270,7 @@
 </p:sld>
 </file>
 
-<file path=ppt/slides/slide9.xml><?xml version="1.0" encoding="utf-8"?>
+<file path=ppt/slides/slide8.xml><?xml version="1.0" encoding="utf-8"?>
 <p:sld xmlns:a="http://schemas.openxmlformats.org/drawingml/2006/main" xmlns:r="http://schemas.openxmlformats.org/officeDocument/2006/relationships" xmlns:p="http://schemas.openxmlformats.org/presentationml/2006/main">
   <p:cSld>
     <p:spTree>
@@ -7677,7 +7303,7 @@
           <a:lstStyle/>
           <a:p>
             <a:r>
-              <a:rPr lang="nl-NL" dirty="0"/>
+              <a:rPr lang="nl-NL" u="sng" dirty="0"/>
               <a:t>Opdracht 2: Goedkoopste verdeling</a:t>
             </a:r>
           </a:p>
@@ -7758,6 +7384,236 @@
     <p:extLst>
       <p:ext uri="{BB962C8B-B14F-4D97-AF65-F5344CB8AC3E}">
         <p14:creationId xmlns:p14="http://schemas.microsoft.com/office/powerpoint/2010/main" val="494837142"/>
+      </p:ext>
+    </p:extLst>
+  </p:cSld>
+  <p:clrMapOvr>
+    <a:masterClrMapping/>
+  </p:clrMapOvr>
+</p:sld>
+</file>
+
+<file path=ppt/slides/slide9.xml><?xml version="1.0" encoding="utf-8"?>
+<p:sld xmlns:a="http://schemas.openxmlformats.org/drawingml/2006/main" xmlns:r="http://schemas.openxmlformats.org/officeDocument/2006/relationships" xmlns:p="http://schemas.openxmlformats.org/presentationml/2006/main">
+  <p:cSld>
+    <p:spTree>
+      <p:nvGrpSpPr>
+        <p:cNvPr id="1" name=""/>
+        <p:cNvGrpSpPr/>
+        <p:nvPr/>
+      </p:nvGrpSpPr>
+      <p:grpSpPr>
+        <a:xfrm>
+          <a:off x="0" y="0"/>
+          <a:ext cx="0" cy="0"/>
+          <a:chOff x="0" y="0"/>
+          <a:chExt cx="0" cy="0"/>
+        </a:xfrm>
+      </p:grpSpPr>
+      <p:sp>
+        <p:nvSpPr>
+          <p:cNvPr id="2" name="Titel 1"/>
+          <p:cNvSpPr>
+            <a:spLocks noGrp="1"/>
+          </p:cNvSpPr>
+          <p:nvPr>
+            <p:ph type="title"/>
+          </p:nvPr>
+        </p:nvSpPr>
+        <p:spPr/>
+        <p:txBody>
+          <a:bodyPr/>
+          <a:lstStyle/>
+          <a:p>
+            <a:r>
+              <a:rPr lang="nl-NL" u="sng" dirty="0"/>
+              <a:t>ALGORITME OPDRACHT 2 </a:t>
+            </a:r>
+          </a:p>
+        </p:txBody>
+      </p:sp>
+      <p:sp>
+        <p:nvSpPr>
+          <p:cNvPr id="3" name="Tijdelijke aanduiding voor inhoud 2"/>
+          <p:cNvSpPr>
+            <a:spLocks noGrp="1"/>
+          </p:cNvSpPr>
+          <p:nvPr>
+            <p:ph idx="1"/>
+          </p:nvPr>
+        </p:nvSpPr>
+        <p:spPr>
+          <a:xfrm>
+            <a:off x="838200" y="1825625"/>
+            <a:ext cx="9164562" cy="4351338"/>
+          </a:xfrm>
+        </p:spPr>
+        <p:txBody>
+          <a:bodyPr>
+            <a:normAutofit/>
+          </a:bodyPr>
+          <a:lstStyle/>
+          <a:p>
+            <a:r>
+              <a:rPr lang="nl-NL" dirty="0"/>
+              <a:t>Iteratief algoritme</a:t>
+            </a:r>
+          </a:p>
+          <a:p>
+            <a:pPr lvl="1">
+              <a:buFont typeface="Wingdings" charset="2"/>
+              <a:buChar char="Ø"/>
+            </a:pPr>
+            <a:endParaRPr lang="nl-NL" dirty="0"/>
+          </a:p>
+          <a:p>
+            <a:pPr lvl="1">
+              <a:buFont typeface="Wingdings" charset="2"/>
+              <a:buChar char="Ø"/>
+            </a:pPr>
+            <a:r>
+              <a:rPr lang="nl-NL" dirty="0"/>
+              <a:t>  Random sampling</a:t>
+            </a:r>
+          </a:p>
+          <a:p>
+            <a:pPr lvl="1">
+              <a:buFont typeface="Wingdings" charset="2"/>
+              <a:buChar char="Ø"/>
+            </a:pPr>
+            <a:endParaRPr lang="nl-NL" dirty="0"/>
+          </a:p>
+          <a:p>
+            <a:pPr lvl="1">
+              <a:buFont typeface="Wingdings" charset="2"/>
+              <a:buChar char="Ø"/>
+            </a:pPr>
+            <a:r>
+              <a:rPr lang="nl-NL" dirty="0"/>
+              <a:t> Hill </a:t>
+            </a:r>
+            <a:r>
+              <a:rPr lang="nl-NL" dirty="0" err="1"/>
+              <a:t>climbing</a:t>
+            </a:r>
+            <a:r>
+              <a:rPr lang="nl-NL" dirty="0"/>
+              <a:t> algoritme</a:t>
+            </a:r>
+          </a:p>
+          <a:p>
+            <a:pPr lvl="2">
+              <a:buFont typeface="Courier New"/>
+              <a:buChar char="o"/>
+            </a:pPr>
+            <a:r>
+              <a:rPr lang="nl-NL" dirty="0"/>
+              <a:t>Klassieke </a:t>
+            </a:r>
+            <a:r>
+              <a:rPr lang="nl-NL" dirty="0" err="1"/>
+              <a:t>hill</a:t>
+            </a:r>
+            <a:r>
+              <a:rPr lang="nl-NL" dirty="0"/>
+              <a:t> </a:t>
+            </a:r>
+            <a:r>
+              <a:rPr lang="nl-NL" dirty="0" err="1"/>
+              <a:t>climber</a:t>
+            </a:r>
+            <a:endParaRPr lang="nl-NL" dirty="0"/>
+          </a:p>
+          <a:p>
+            <a:pPr lvl="2">
+              <a:buFont typeface="Courier New"/>
+              <a:buChar char="o"/>
+            </a:pPr>
+            <a:r>
+              <a:rPr lang="nl-NL" dirty="0" err="1"/>
+              <a:t>Lowest</a:t>
+            </a:r>
+            <a:r>
+              <a:rPr lang="nl-NL" dirty="0"/>
+              <a:t> </a:t>
+            </a:r>
+            <a:r>
+              <a:rPr lang="nl-NL" dirty="0" err="1"/>
+              <a:t>choice</a:t>
+            </a:r>
+            <a:r>
+              <a:rPr lang="nl-NL" dirty="0"/>
+              <a:t> </a:t>
+            </a:r>
+            <a:r>
+              <a:rPr lang="nl-NL" dirty="0" err="1"/>
+              <a:t>hillclimber</a:t>
+            </a:r>
+            <a:endParaRPr lang="nl-NL" dirty="0"/>
+          </a:p>
+          <a:p>
+            <a:pPr marL="0" indent="0">
+              <a:buNone/>
+            </a:pPr>
+            <a:br>
+              <a:rPr lang="nl-NL" dirty="0"/>
+            </a:br>
+            <a:endParaRPr lang="nl-NL" dirty="0"/>
+          </a:p>
+        </p:txBody>
+      </p:sp>
+      <p:pic>
+        <p:nvPicPr>
+          <p:cNvPr id="8" name="Afbeelding 7"/>
+          <p:cNvPicPr>
+            <a:picLocks noChangeAspect="1"/>
+          </p:cNvPicPr>
+          <p:nvPr/>
+        </p:nvPicPr>
+        <p:blipFill>
+          <a:blip r:embed="rId2"/>
+          <a:stretch>
+            <a:fillRect/>
+          </a:stretch>
+        </p:blipFill>
+        <p:spPr>
+          <a:xfrm>
+            <a:off x="9757833" y="304114"/>
+            <a:ext cx="2434167" cy="1120099"/>
+          </a:xfrm>
+          <a:prstGeom prst="rect">
+            <a:avLst/>
+          </a:prstGeom>
+        </p:spPr>
+      </p:pic>
+      <p:pic>
+        <p:nvPicPr>
+          <p:cNvPr id="4" name="Afbeelding 3"/>
+          <p:cNvPicPr>
+            <a:picLocks noChangeAspect="1"/>
+          </p:cNvPicPr>
+          <p:nvPr/>
+        </p:nvPicPr>
+        <p:blipFill>
+          <a:blip r:embed="rId3"/>
+          <a:stretch>
+            <a:fillRect/>
+          </a:stretch>
+        </p:blipFill>
+        <p:spPr>
+          <a:xfrm>
+            <a:off x="7136390" y="1690688"/>
+            <a:ext cx="3364706" cy="4486275"/>
+          </a:xfrm>
+          <a:prstGeom prst="rect">
+            <a:avLst/>
+          </a:prstGeom>
+        </p:spPr>
+      </p:pic>
+    </p:spTree>
+    <p:extLst>
+      <p:ext uri="{BB962C8B-B14F-4D97-AF65-F5344CB8AC3E}">
+        <p14:creationId xmlns:p14="http://schemas.microsoft.com/office/powerpoint/2010/main" val="3856841804"/>
       </p:ext>
     </p:extLst>
   </p:cSld>

--- a/eindpresentatie.pptx
+++ b/eindpresentatie.pptx
@@ -123,7 +123,7 @@
   </p:defaultTextStyle>
   <p:extLst>
     <p:ext uri="{EFAFB233-063F-42B5-8137-9DF3F51BA10A}">
-      <p15:sldGuideLst xmlns:p15="http://schemas.microsoft.com/office/powerpoint/2012/main">
+      <p15:sldGuideLst xmlns:p15="http://schemas.microsoft.com/office/powerpoint/2012/main" xmlns="">
         <p15:guide id="1" orient="horz" pos="2160">
           <p15:clr>
             <a:srgbClr val="A4A3A4"/>
@@ -141,7 +141,7 @@
 </file>
 
 <file path=ppt/charts/chart1.xml><?xml version="1.0" encoding="utf-8"?>
-<c:chartSpace xmlns:c="http://schemas.openxmlformats.org/drawingml/2006/chart" xmlns:a="http://schemas.openxmlformats.org/drawingml/2006/main" xmlns:r="http://schemas.openxmlformats.org/officeDocument/2006/relationships" xmlns:c16r2="http://schemas.microsoft.com/office/drawing/2015/06/chart">
+<c:chartSpace xmlns:c="http://schemas.openxmlformats.org/drawingml/2006/chart" xmlns:a="http://schemas.openxmlformats.org/drawingml/2006/main" xmlns:r="http://schemas.openxmlformats.org/officeDocument/2006/relationships">
   <c:date1904 val="0"/>
   <c:lang val="nl-NL"/>
   <c:roundedCorners val="0"/>
@@ -192,8 +192,8 @@
         <c:manualLayout>
           <c:xMode val="edge"/>
           <c:yMode val="edge"/>
-          <c:x val="0.32478193650451226"/>
-          <c:y val="0"/>
+          <c:x val="0.324781936504512"/>
+          <c:y val="0.0"/>
         </c:manualLayout>
       </c:layout>
       <c:overlay val="0"/>
@@ -245,7 +245,7 @@
             <c:showPercent val="0"/>
             <c:showBubbleSize val="0"/>
             <c:showLeaderLines val="0"/>
-            <c:extLst>
+            <c:extLst xmlns:c16r2="http://schemas.microsoft.com/office/drawing/2015/06/chart">
               <c:ext xmlns:c15="http://schemas.microsoft.com/office/drawing/2012/chart" uri="{CE6537A1-D6FC-4f65-9D91-7224C49458BB}">
                 <c15:showLeaderLines val="0"/>
               </c:ext>
@@ -278,21 +278,21 @@
                 <c:formatCode>0</c:formatCode>
                 <c:ptCount val="4"/>
                 <c:pt idx="0">
-                  <c:v>499</c:v>
+                  <c:v>499.0</c:v>
                 </c:pt>
                 <c:pt idx="1">
-                  <c:v>92</c:v>
+                  <c:v>92.0</c:v>
                 </c:pt>
                 <c:pt idx="2">
-                  <c:v>2</c:v>
+                  <c:v>2.0</c:v>
                 </c:pt>
                 <c:pt idx="3">
-                  <c:v>0</c:v>
+                  <c:v>0.0</c:v>
                 </c:pt>
               </c:numCache>
             </c:numRef>
           </c:val>
-          <c:extLst>
+          <c:extLst xmlns:c16r2="http://schemas.microsoft.com/office/drawing/2015/06/chart">
             <c:ext xmlns:c16="http://schemas.microsoft.com/office/drawing/2014/chart" uri="{C3380CC4-5D6E-409C-BE32-E72D297353CC}">
               <c16:uniqueId val="{00000000-F949-4671-AD9F-1FE391B89D59}"/>
             </c:ext>
@@ -338,7 +338,7 @@
             <c:showPercent val="0"/>
             <c:showBubbleSize val="0"/>
             <c:showLeaderLines val="0"/>
-            <c:extLst>
+            <c:extLst xmlns:c16r2="http://schemas.microsoft.com/office/drawing/2015/06/chart">
               <c:ext xmlns:c15="http://schemas.microsoft.com/office/drawing/2012/chart" uri="{CE6537A1-D6FC-4f65-9D91-7224C49458BB}">
                 <c15:showLeaderLines val="0"/>
               </c:ext>
@@ -371,21 +371,21 @@
                 <c:formatCode>0</c:formatCode>
                 <c:ptCount val="4"/>
                 <c:pt idx="0">
-                  <c:v>2457</c:v>
+                  <c:v>2457.0</c:v>
                 </c:pt>
                 <c:pt idx="1">
-                  <c:v>2844</c:v>
+                  <c:v>2844.0</c:v>
                 </c:pt>
                 <c:pt idx="2">
-                  <c:v>397</c:v>
+                  <c:v>397.0</c:v>
                 </c:pt>
                 <c:pt idx="3">
-                  <c:v>37</c:v>
+                  <c:v>37.0</c:v>
                 </c:pt>
               </c:numCache>
             </c:numRef>
           </c:val>
-          <c:extLst>
+          <c:extLst xmlns:c16r2="http://schemas.microsoft.com/office/drawing/2015/06/chart">
             <c:ext xmlns:c16="http://schemas.microsoft.com/office/drawing/2014/chart" uri="{C3380CC4-5D6E-409C-BE32-E72D297353CC}">
               <c16:uniqueId val="{00000001-F949-4671-AD9F-1FE391B89D59}"/>
             </c:ext>
@@ -431,7 +431,7 @@
             <c:showPercent val="0"/>
             <c:showBubbleSize val="0"/>
             <c:showLeaderLines val="0"/>
-            <c:extLst>
+            <c:extLst xmlns:c16r2="http://schemas.microsoft.com/office/drawing/2015/06/chart">
               <c:ext xmlns:c15="http://schemas.microsoft.com/office/drawing/2012/chart" uri="{CE6537A1-D6FC-4f65-9D91-7224C49458BB}">
                 <c15:showLeaderLines val="0"/>
               </c:ext>
@@ -464,21 +464,21 @@
                 <c:formatCode>0</c:formatCode>
                 <c:ptCount val="4"/>
                 <c:pt idx="0">
-                  <c:v>42</c:v>
+                  <c:v>42.0</c:v>
                 </c:pt>
                 <c:pt idx="1">
-                  <c:v>10</c:v>
+                  <c:v>10.0</c:v>
                 </c:pt>
                 <c:pt idx="2">
-                  <c:v>0</c:v>
+                  <c:v>0.0</c:v>
                 </c:pt>
                 <c:pt idx="3">
-                  <c:v>0</c:v>
+                  <c:v>0.0</c:v>
                 </c:pt>
               </c:numCache>
             </c:numRef>
           </c:val>
-          <c:extLst>
+          <c:extLst xmlns:c16r2="http://schemas.microsoft.com/office/drawing/2015/06/chart">
             <c:ext xmlns:c16="http://schemas.microsoft.com/office/drawing/2014/chart" uri="{C3380CC4-5D6E-409C-BE32-E72D297353CC}">
               <c16:uniqueId val="{00000002-F949-4671-AD9F-1FE391B89D59}"/>
             </c:ext>
@@ -493,11 +493,11 @@
           <c:showBubbleSize val="0"/>
         </c:dLbls>
         <c:gapWidth val="150"/>
-        <c:axId val="288539440"/>
-        <c:axId val="288541008"/>
+        <c:axId val="2127332792"/>
+        <c:axId val="2127335944"/>
       </c:barChart>
       <c:catAx>
-        <c:axId val="288539440"/>
+        <c:axId val="2127332792"/>
         <c:scaling>
           <c:orientation val="minMax"/>
         </c:scaling>
@@ -517,7 +517,7 @@
             <a:endParaRPr lang="nl-NL"/>
           </a:p>
         </c:txPr>
-        <c:crossAx val="288541008"/>
+        <c:crossAx val="2127335944"/>
         <c:crosses val="autoZero"/>
         <c:auto val="1"/>
         <c:lblAlgn val="ctr"/>
@@ -525,7 +525,7 @@
         <c:noMultiLvlLbl val="0"/>
       </c:catAx>
       <c:valAx>
-        <c:axId val="288541008"/>
+        <c:axId val="2127335944"/>
         <c:scaling>
           <c:orientation val="minMax"/>
         </c:scaling>
@@ -548,19 +548,21 @@
               </a:p>
             </c:rich>
           </c:tx>
+          <c:layout/>
           <c:overlay val="0"/>
         </c:title>
         <c:numFmt formatCode="0" sourceLinked="1"/>
         <c:majorTickMark val="out"/>
         <c:minorTickMark val="none"/>
         <c:tickLblPos val="nextTo"/>
-        <c:crossAx val="288539440"/>
+        <c:crossAx val="2127332792"/>
         <c:crosses val="autoZero"/>
         <c:crossBetween val="between"/>
       </c:valAx>
     </c:plotArea>
     <c:legend>
       <c:legendPos val="r"/>
+      <c:layout/>
       <c:overlay val="0"/>
       <c:txPr>
         <a:bodyPr/>
@@ -584,7 +586,7 @@
 </file>
 
 <file path=ppt/charts/chart2.xml><?xml version="1.0" encoding="utf-8"?>
-<c:chartSpace xmlns:c="http://schemas.openxmlformats.org/drawingml/2006/chart" xmlns:a="http://schemas.openxmlformats.org/drawingml/2006/main" xmlns:r="http://schemas.openxmlformats.org/officeDocument/2006/relationships" xmlns:c16r2="http://schemas.microsoft.com/office/drawing/2015/06/chart">
+<c:chartSpace xmlns:c="http://schemas.openxmlformats.org/drawingml/2006/chart" xmlns:a="http://schemas.openxmlformats.org/drawingml/2006/main" xmlns:r="http://schemas.openxmlformats.org/officeDocument/2006/relationships">
   <c:date1904 val="1"/>
   <c:lang val="nl-NL"/>
   <c:roundedCorners val="0"/>
@@ -617,8 +619,8 @@
         <c:manualLayout>
           <c:xMode val="edge"/>
           <c:yMode val="edge"/>
-          <c:x val="0.16517947455922699"/>
-          <c:y val="0"/>
+          <c:x val="0.165179474559227"/>
+          <c:y val="0.0"/>
         </c:manualLayout>
       </c:layout>
       <c:overlay val="0"/>
@@ -650,8 +652,8 @@
               <c:idx val="0"/>
               <c:layout>
                 <c:manualLayout>
-                  <c:x val="-1.4856662518272899E-17"/>
-                  <c:y val="9.2378752886835992E-3"/>
+                  <c:x val="-1.48566625182729E-17"/>
+                  <c:y val="0.0092378752886836"/>
                 </c:manualLayout>
               </c:layout>
               <c:showLegendKey val="0"/>
@@ -660,7 +662,7 @@
               <c:showSerName val="0"/>
               <c:showPercent val="0"/>
               <c:showBubbleSize val="0"/>
-              <c:extLst>
+              <c:extLst xmlns:c16r2="http://schemas.microsoft.com/office/drawing/2015/06/chart">
                 <c:ext xmlns:c15="http://schemas.microsoft.com/office/drawing/2012/chart" uri="{CE6537A1-D6FC-4f65-9D91-7224C49458BB}"/>
                 <c:ext xmlns:c16="http://schemas.microsoft.com/office/drawing/2014/chart" uri="{C3380CC4-5D6E-409C-BE32-E72D297353CC}">
                   <c16:uniqueId val="{00000000-2C3D-4126-A442-3DDF71414ABF}"/>
@@ -671,8 +673,8 @@
               <c:idx val="1"/>
               <c:layout>
                 <c:manualLayout>
-                  <c:x val="-2.9713325036545799E-17"/>
-                  <c:y val="-1.15473441108545E-2"/>
+                  <c:x val="-2.97133250365458E-17"/>
+                  <c:y val="-0.0115473441108545"/>
                 </c:manualLayout>
               </c:layout>
               <c:showLegendKey val="0"/>
@@ -681,7 +683,7 @@
               <c:showSerName val="0"/>
               <c:showPercent val="0"/>
               <c:showBubbleSize val="0"/>
-              <c:extLst>
+              <c:extLst xmlns:c16r2="http://schemas.microsoft.com/office/drawing/2015/06/chart">
                 <c:ext xmlns:c15="http://schemas.microsoft.com/office/drawing/2012/chart" uri="{CE6537A1-D6FC-4f65-9D91-7224C49458BB}"/>
                 <c:ext xmlns:c16="http://schemas.microsoft.com/office/drawing/2014/chart" uri="{C3380CC4-5D6E-409C-BE32-E72D297353CC}">
                   <c16:uniqueId val="{00000001-2C3D-4126-A442-3DDF71414ABF}"/>
@@ -712,7 +714,7 @@
             <c:showPercent val="0"/>
             <c:showBubbleSize val="0"/>
             <c:showLeaderLines val="0"/>
-            <c:extLst>
+            <c:extLst xmlns:c16r2="http://schemas.microsoft.com/office/drawing/2015/06/chart">
               <c:ext xmlns:c15="http://schemas.microsoft.com/office/drawing/2012/chart" uri="{CE6537A1-D6FC-4f65-9D91-7224C49458BB}">
                 <c15:showLeaderLines val="0"/>
               </c:ext>
@@ -745,21 +747,21 @@
                 <c:formatCode>General</c:formatCode>
                 <c:ptCount val="4"/>
                 <c:pt idx="0">
-                  <c:v>1128</c:v>
+                  <c:v>1128.0</c:v>
                 </c:pt>
                 <c:pt idx="1">
-                  <c:v>1982</c:v>
+                  <c:v>1982.0</c:v>
                 </c:pt>
                 <c:pt idx="2">
-                  <c:v>626</c:v>
+                  <c:v>626.0</c:v>
                 </c:pt>
                 <c:pt idx="3">
-                  <c:v>696</c:v>
+                  <c:v>696.0</c:v>
                 </c:pt>
               </c:numCache>
             </c:numRef>
           </c:val>
-          <c:extLst>
+          <c:extLst xmlns:c16r2="http://schemas.microsoft.com/office/drawing/2015/06/chart">
             <c:ext xmlns:c16="http://schemas.microsoft.com/office/drawing/2014/chart" uri="{C3380CC4-5D6E-409C-BE32-E72D297353CC}">
               <c16:uniqueId val="{00000002-2C3D-4126-A442-3DDF71414ABF}"/>
             </c:ext>
@@ -785,8 +787,8 @@
               <c:idx val="0"/>
               <c:layout>
                 <c:manualLayout>
-                  <c:x val="0"/>
-                  <c:y val="-2.0785219399538101E-2"/>
+                  <c:x val="0.0"/>
+                  <c:y val="-0.0207852193995381"/>
                 </c:manualLayout>
               </c:layout>
               <c:showLegendKey val="0"/>
@@ -795,7 +797,7 @@
               <c:showSerName val="0"/>
               <c:showPercent val="0"/>
               <c:showBubbleSize val="0"/>
-              <c:extLst>
+              <c:extLst xmlns:c16r2="http://schemas.microsoft.com/office/drawing/2015/06/chart">
                 <c:ext xmlns:c15="http://schemas.microsoft.com/office/drawing/2012/chart" uri="{CE6537A1-D6FC-4f65-9D91-7224C49458BB}"/>
                 <c:ext xmlns:c16="http://schemas.microsoft.com/office/drawing/2014/chart" uri="{C3380CC4-5D6E-409C-BE32-E72D297353CC}">
                   <c16:uniqueId val="{00000003-2C3D-4126-A442-3DDF71414ABF}"/>
@@ -806,8 +808,8 @@
               <c:idx val="1"/>
               <c:layout>
                 <c:manualLayout>
-                  <c:x val="0"/>
-                  <c:y val="1.38568129330254E-2"/>
+                  <c:x val="0.0"/>
+                  <c:y val="0.0138568129330254"/>
                 </c:manualLayout>
               </c:layout>
               <c:showLegendKey val="0"/>
@@ -816,7 +818,7 @@
               <c:showSerName val="0"/>
               <c:showPercent val="0"/>
               <c:showBubbleSize val="0"/>
-              <c:extLst>
+              <c:extLst xmlns:c16r2="http://schemas.microsoft.com/office/drawing/2015/06/chart">
                 <c:ext xmlns:c15="http://schemas.microsoft.com/office/drawing/2012/chart" uri="{CE6537A1-D6FC-4f65-9D91-7224C49458BB}"/>
                 <c:ext xmlns:c16="http://schemas.microsoft.com/office/drawing/2014/chart" uri="{C3380CC4-5D6E-409C-BE32-E72D297353CC}">
                   <c16:uniqueId val="{00000004-2C3D-4126-A442-3DDF71414ABF}"/>
@@ -847,7 +849,7 @@
             <c:showPercent val="0"/>
             <c:showBubbleSize val="0"/>
             <c:showLeaderLines val="0"/>
-            <c:extLst>
+            <c:extLst xmlns:c16r2="http://schemas.microsoft.com/office/drawing/2015/06/chart">
               <c:ext xmlns:c15="http://schemas.microsoft.com/office/drawing/2012/chart" uri="{CE6537A1-D6FC-4f65-9D91-7224C49458BB}">
                 <c15:showLeaderLines val="0"/>
               </c:ext>
@@ -880,21 +882,21 @@
                 <c:formatCode>General</c:formatCode>
                 <c:ptCount val="4"/>
                 <c:pt idx="0">
-                  <c:v>1128</c:v>
+                  <c:v>1128.0</c:v>
                 </c:pt>
                 <c:pt idx="1">
-                  <c:v>1958</c:v>
+                  <c:v>1958.0</c:v>
                 </c:pt>
                 <c:pt idx="2">
-                  <c:v>626</c:v>
+                  <c:v>626.0</c:v>
                 </c:pt>
                 <c:pt idx="3">
-                  <c:v>696</c:v>
+                  <c:v>696.0</c:v>
                 </c:pt>
               </c:numCache>
             </c:numRef>
           </c:val>
-          <c:extLst>
+          <c:extLst xmlns:c16r2="http://schemas.microsoft.com/office/drawing/2015/06/chart">
             <c:ext xmlns:c16="http://schemas.microsoft.com/office/drawing/2014/chart" uri="{C3380CC4-5D6E-409C-BE32-E72D297353CC}">
               <c16:uniqueId val="{00000005-2C3D-4126-A442-3DDF71414ABF}"/>
             </c:ext>
@@ -940,7 +942,7 @@
             <c:showPercent val="0"/>
             <c:showBubbleSize val="0"/>
             <c:showLeaderLines val="0"/>
-            <c:extLst>
+            <c:extLst xmlns:c16r2="http://schemas.microsoft.com/office/drawing/2015/06/chart">
               <c:ext xmlns:c15="http://schemas.microsoft.com/office/drawing/2012/chart" uri="{CE6537A1-D6FC-4f65-9D91-7224C49458BB}">
                 <c15:showLeaderLines val="0"/>
               </c:ext>
@@ -973,21 +975,21 @@
                 <c:formatCode>General</c:formatCode>
                 <c:ptCount val="4"/>
                 <c:pt idx="0">
-                  <c:v>1372</c:v>
+                  <c:v>1372.0</c:v>
                 </c:pt>
                 <c:pt idx="1">
-                  <c:v>2422</c:v>
+                  <c:v>2422.0</c:v>
                 </c:pt>
                 <c:pt idx="2">
-                  <c:v>741</c:v>
+                  <c:v>741.0</c:v>
                 </c:pt>
                 <c:pt idx="3">
-                  <c:v>836</c:v>
+                  <c:v>836.0</c:v>
                 </c:pt>
               </c:numCache>
             </c:numRef>
           </c:val>
-          <c:extLst>
+          <c:extLst xmlns:c16r2="http://schemas.microsoft.com/office/drawing/2015/06/chart">
             <c:ext xmlns:c16="http://schemas.microsoft.com/office/drawing/2014/chart" uri="{C3380CC4-5D6E-409C-BE32-E72D297353CC}">
               <c16:uniqueId val="{00000006-2C3D-4126-A442-3DDF71414ABF}"/>
             </c:ext>
@@ -1002,11 +1004,11 @@
           <c:showBubbleSize val="0"/>
         </c:dLbls>
         <c:gapWidth val="150"/>
-        <c:axId val="288539832"/>
-        <c:axId val="329026520"/>
+        <c:axId val="2120509560"/>
+        <c:axId val="2120512648"/>
       </c:barChart>
       <c:catAx>
-        <c:axId val="288539832"/>
+        <c:axId val="2120509560"/>
         <c:scaling>
           <c:orientation val="minMax"/>
         </c:scaling>
@@ -1026,7 +1028,7 @@
             <a:endParaRPr lang="nl-NL"/>
           </a:p>
         </c:txPr>
-        <c:crossAx val="329026520"/>
+        <c:crossAx val="2120512648"/>
         <c:crosses val="autoZero"/>
         <c:auto val="1"/>
         <c:lblAlgn val="ctr"/>
@@ -1034,10 +1036,10 @@
         <c:noMultiLvlLbl val="0"/>
       </c:catAx>
       <c:valAx>
-        <c:axId val="329026520"/>
+        <c:axId val="2120512648"/>
         <c:scaling>
           <c:orientation val="minMax"/>
-          <c:max val="2500"/>
+          <c:max val="2500.0"/>
         </c:scaling>
         <c:delete val="0"/>
         <c:axPos val="l"/>
@@ -1058,19 +1060,21 @@
               </a:p>
             </c:rich>
           </c:tx>
+          <c:layout/>
           <c:overlay val="0"/>
         </c:title>
         <c:numFmt formatCode="General" sourceLinked="1"/>
         <c:majorTickMark val="out"/>
         <c:minorTickMark val="none"/>
         <c:tickLblPos val="nextTo"/>
-        <c:crossAx val="288539832"/>
+        <c:crossAx val="2120509560"/>
         <c:crosses val="autoZero"/>
         <c:crossBetween val="between"/>
       </c:valAx>
     </c:plotArea>
     <c:legend>
       <c:legendPos val="r"/>
+      <c:layout/>
       <c:overlay val="0"/>
       <c:txPr>
         <a:bodyPr/>
@@ -1175,7 +1179,7 @@
           <a:p>
             <a:fld id="{D9C73654-FA52-4E91-A6E4-53134F299D0C}" type="datetimeFigureOut">
               <a:rPr lang="nl-NL" smtClean="0"/>
-              <a:t>24-5-2016</a:t>
+              <a:t>25/05/16</a:t>
             </a:fld>
             <a:endParaRPr lang="nl-NL"/>
           </a:p>
@@ -1663,7 +1667,7 @@
           <a:p>
             <a:fld id="{24F91115-6E23-48A2-830D-2E349A7A41D4}" type="datetimeFigureOut">
               <a:rPr lang="nl-NL" smtClean="0"/>
-              <a:t>24-5-2016</a:t>
+              <a:t>25/05/16</a:t>
             </a:fld>
             <a:endParaRPr lang="nl-NL"/>
           </a:p>
@@ -1831,7 +1835,7 @@
           <a:p>
             <a:fld id="{24F91115-6E23-48A2-830D-2E349A7A41D4}" type="datetimeFigureOut">
               <a:rPr lang="nl-NL" smtClean="0"/>
-              <a:t>24-5-2016</a:t>
+              <a:t>25/05/16</a:t>
             </a:fld>
             <a:endParaRPr lang="nl-NL"/>
           </a:p>
@@ -2009,7 +2013,7 @@
           <a:p>
             <a:fld id="{24F91115-6E23-48A2-830D-2E349A7A41D4}" type="datetimeFigureOut">
               <a:rPr lang="nl-NL" smtClean="0"/>
-              <a:t>24-5-2016</a:t>
+              <a:t>25/05/16</a:t>
             </a:fld>
             <a:endParaRPr lang="nl-NL"/>
           </a:p>
@@ -2177,7 +2181,7 @@
           <a:p>
             <a:fld id="{24F91115-6E23-48A2-830D-2E349A7A41D4}" type="datetimeFigureOut">
               <a:rPr lang="nl-NL" smtClean="0"/>
-              <a:t>24-5-2016</a:t>
+              <a:t>25/05/16</a:t>
             </a:fld>
             <a:endParaRPr lang="nl-NL"/>
           </a:p>
@@ -2422,7 +2426,7 @@
           <a:p>
             <a:fld id="{24F91115-6E23-48A2-830D-2E349A7A41D4}" type="datetimeFigureOut">
               <a:rPr lang="nl-NL" smtClean="0"/>
-              <a:t>24-5-2016</a:t>
+              <a:t>25/05/16</a:t>
             </a:fld>
             <a:endParaRPr lang="nl-NL"/>
           </a:p>
@@ -2651,7 +2655,7 @@
           <a:p>
             <a:fld id="{24F91115-6E23-48A2-830D-2E349A7A41D4}" type="datetimeFigureOut">
               <a:rPr lang="nl-NL" smtClean="0"/>
-              <a:t>24-5-2016</a:t>
+              <a:t>25/05/16</a:t>
             </a:fld>
             <a:endParaRPr lang="nl-NL"/>
           </a:p>
@@ -3015,7 +3019,7 @@
           <a:p>
             <a:fld id="{24F91115-6E23-48A2-830D-2E349A7A41D4}" type="datetimeFigureOut">
               <a:rPr lang="nl-NL" smtClean="0"/>
-              <a:t>24-5-2016</a:t>
+              <a:t>25/05/16</a:t>
             </a:fld>
             <a:endParaRPr lang="nl-NL"/>
           </a:p>
@@ -3132,7 +3136,7 @@
           <a:p>
             <a:fld id="{24F91115-6E23-48A2-830D-2E349A7A41D4}" type="datetimeFigureOut">
               <a:rPr lang="nl-NL" smtClean="0"/>
-              <a:t>24-5-2016</a:t>
+              <a:t>25/05/16</a:t>
             </a:fld>
             <a:endParaRPr lang="nl-NL"/>
           </a:p>
@@ -3227,7 +3231,7 @@
           <a:p>
             <a:fld id="{24F91115-6E23-48A2-830D-2E349A7A41D4}" type="datetimeFigureOut">
               <a:rPr lang="nl-NL" smtClean="0"/>
-              <a:t>24-5-2016</a:t>
+              <a:t>25/05/16</a:t>
             </a:fld>
             <a:endParaRPr lang="nl-NL"/>
           </a:p>
@@ -3502,7 +3506,7 @@
           <a:p>
             <a:fld id="{24F91115-6E23-48A2-830D-2E349A7A41D4}" type="datetimeFigureOut">
               <a:rPr lang="nl-NL" smtClean="0"/>
-              <a:t>24-5-2016</a:t>
+              <a:t>25/05/16</a:t>
             </a:fld>
             <a:endParaRPr lang="nl-NL"/>
           </a:p>
@@ -3754,7 +3758,7 @@
           <a:p>
             <a:fld id="{24F91115-6E23-48A2-830D-2E349A7A41D4}" type="datetimeFigureOut">
               <a:rPr lang="nl-NL" smtClean="0"/>
-              <a:t>24-5-2016</a:t>
+              <a:t>25/05/16</a:t>
             </a:fld>
             <a:endParaRPr lang="nl-NL"/>
           </a:p>
@@ -3968,7 +3972,7 @@
           <a:p>
             <a:fld id="{24F91115-6E23-48A2-830D-2E349A7A41D4}" type="datetimeFigureOut">
               <a:rPr lang="nl-NL" smtClean="0"/>
-              <a:t>24-5-2016</a:t>
+              <a:t>25/05/16</a:t>
             </a:fld>
             <a:endParaRPr lang="nl-NL"/>
           </a:p>
@@ -4662,6 +4666,10 @@
             <a:pPr marL="0" indent="0">
               <a:buNone/>
             </a:pPr>
+            <a:r>
+              <a:rPr lang="nl-NL" dirty="0"/>
+              <a:t/>
+            </a:r>
             <a:br>
               <a:rPr lang="nl-NL" dirty="0"/>
             </a:br>
@@ -4714,21 +4722,21 @@
           <a:lstStyle/>
           <a:p>
             <a:r>
-              <a:rPr lang="nl-NL" u="sng" dirty="0"/>
-              <a:t>Resultaten opdracht 2: Rusland</a:t>
+              <a:rPr lang="nl-NL" u="sng" dirty="0" smtClean="0"/>
+              <a:t>RESULTATEN OPDRACHT 2: RUSLAND</a:t>
             </a:r>
             <a:br>
-              <a:rPr lang="nl-NL" u="sng" dirty="0"/>
+              <a:rPr lang="nl-NL" u="sng" dirty="0" smtClean="0"/>
             </a:br>
             <a:r>
-              <a:rPr lang="nl-NL" dirty="0"/>
+              <a:rPr lang="nl-NL" dirty="0" smtClean="0"/>
               <a:t>					</a:t>
             </a:r>
             <a:br>
-              <a:rPr lang="nl-NL" dirty="0"/>
+              <a:rPr lang="nl-NL" dirty="0" smtClean="0"/>
             </a:br>
             <a:r>
-              <a:rPr lang="nl-NL" dirty="0"/>
+              <a:rPr lang="nl-NL" dirty="0" smtClean="0"/>
               <a:t>					</a:t>
             </a:r>
             <a:endParaRPr lang="nl-NL" sz="3200" dirty="0"/>
@@ -4751,8 +4759,8 @@
         </p:blipFill>
         <p:spPr>
           <a:xfrm>
-            <a:off x="1813502" y="1621056"/>
-            <a:ext cx="8608360" cy="4164157"/>
+            <a:off x="727513" y="1485437"/>
+            <a:ext cx="10727727" cy="5189368"/>
           </a:xfrm>
           <a:prstGeom prst="rect">
             <a:avLst/>
@@ -4805,8 +4813,8 @@
           <a:lstStyle/>
           <a:p>
             <a:r>
-              <a:rPr lang="nl-NL" u="sng" dirty="0"/>
-              <a:t>Resultaten opdracht 2: Rusland</a:t>
+              <a:rPr lang="nl-NL" u="sng" dirty="0" smtClean="0"/>
+              <a:t>RESULTATEN OPDRACHT 2: RUSLAND</a:t>
             </a:r>
             <a:endParaRPr lang="nl-NL" dirty="0"/>
           </a:p>
@@ -4841,28 +4849,28 @@
                 <a:gridCol w="2628900">
                   <a:extLst>
                     <a:ext uri="{9D8B030D-6E8A-4147-A177-3AD203B41FA5}">
-                      <a16:colId xmlns:a16="http://schemas.microsoft.com/office/drawing/2014/main" val="3306067407"/>
+                      <a16:colId xmlns:a16="http://schemas.microsoft.com/office/drawing/2014/main" xmlns="" val="3306067407"/>
                     </a:ext>
                   </a:extLst>
                 </a:gridCol>
                 <a:gridCol w="2628900">
                   <a:extLst>
                     <a:ext uri="{9D8B030D-6E8A-4147-A177-3AD203B41FA5}">
-                      <a16:colId xmlns:a16="http://schemas.microsoft.com/office/drawing/2014/main" val="219582485"/>
+                      <a16:colId xmlns:a16="http://schemas.microsoft.com/office/drawing/2014/main" xmlns="" val="219582485"/>
                     </a:ext>
                   </a:extLst>
                 </a:gridCol>
                 <a:gridCol w="2628900">
                   <a:extLst>
                     <a:ext uri="{9D8B030D-6E8A-4147-A177-3AD203B41FA5}">
-                      <a16:colId xmlns:a16="http://schemas.microsoft.com/office/drawing/2014/main" val="397432196"/>
+                      <a16:colId xmlns:a16="http://schemas.microsoft.com/office/drawing/2014/main" xmlns="" val="397432196"/>
                     </a:ext>
                   </a:extLst>
                 </a:gridCol>
                 <a:gridCol w="2628900">
                   <a:extLst>
                     <a:ext uri="{9D8B030D-6E8A-4147-A177-3AD203B41FA5}">
-                      <a16:colId xmlns:a16="http://schemas.microsoft.com/office/drawing/2014/main" val="862735919"/>
+                      <a16:colId xmlns:a16="http://schemas.microsoft.com/office/drawing/2014/main" xmlns="" val="862735919"/>
                     </a:ext>
                   </a:extLst>
                 </a:gridCol>
@@ -4950,7 +4958,7 @@
                 </a:tc>
                 <a:extLst>
                   <a:ext uri="{0D108BD9-81ED-4DB2-BD59-A6C34878D82A}">
-                    <a16:rowId xmlns:a16="http://schemas.microsoft.com/office/drawing/2014/main" val="567372543"/>
+                    <a16:rowId xmlns:a16="http://schemas.microsoft.com/office/drawing/2014/main" xmlns="" val="567372543"/>
                   </a:ext>
                 </a:extLst>
               </a:tr>
@@ -5009,7 +5017,7 @@
                 </a:tc>
                 <a:extLst>
                   <a:ext uri="{0D108BD9-81ED-4DB2-BD59-A6C34878D82A}">
-                    <a16:rowId xmlns:a16="http://schemas.microsoft.com/office/drawing/2014/main" val="2299440935"/>
+                    <a16:rowId xmlns:a16="http://schemas.microsoft.com/office/drawing/2014/main" xmlns="" val="2299440935"/>
                   </a:ext>
                 </a:extLst>
               </a:tr>
@@ -5068,7 +5076,7 @@
                 </a:tc>
                 <a:extLst>
                   <a:ext uri="{0D108BD9-81ED-4DB2-BD59-A6C34878D82A}">
-                    <a16:rowId xmlns:a16="http://schemas.microsoft.com/office/drawing/2014/main" val="1632698347"/>
+                    <a16:rowId xmlns:a16="http://schemas.microsoft.com/office/drawing/2014/main" xmlns="" val="1632698347"/>
                   </a:ext>
                 </a:extLst>
               </a:tr>
@@ -5127,7 +5135,7 @@
                 </a:tc>
                 <a:extLst>
                   <a:ext uri="{0D108BD9-81ED-4DB2-BD59-A6C34878D82A}">
-                    <a16:rowId xmlns:a16="http://schemas.microsoft.com/office/drawing/2014/main" val="1473007227"/>
+                    <a16:rowId xmlns:a16="http://schemas.microsoft.com/office/drawing/2014/main" xmlns="" val="1473007227"/>
                   </a:ext>
                 </a:extLst>
               </a:tr>
@@ -5195,28 +5203,28 @@
                 <a:gridCol w="2628900">
                   <a:extLst>
                     <a:ext uri="{9D8B030D-6E8A-4147-A177-3AD203B41FA5}">
-                      <a16:colId xmlns:a16="http://schemas.microsoft.com/office/drawing/2014/main" val="3306067407"/>
+                      <a16:colId xmlns:a16="http://schemas.microsoft.com/office/drawing/2014/main" xmlns="" val="3306067407"/>
                     </a:ext>
                   </a:extLst>
                 </a:gridCol>
                 <a:gridCol w="2628900">
                   <a:extLst>
                     <a:ext uri="{9D8B030D-6E8A-4147-A177-3AD203B41FA5}">
-                      <a16:colId xmlns:a16="http://schemas.microsoft.com/office/drawing/2014/main" val="219582485"/>
+                      <a16:colId xmlns:a16="http://schemas.microsoft.com/office/drawing/2014/main" xmlns="" val="219582485"/>
                     </a:ext>
                   </a:extLst>
                 </a:gridCol>
                 <a:gridCol w="2628900">
                   <a:extLst>
                     <a:ext uri="{9D8B030D-6E8A-4147-A177-3AD203B41FA5}">
-                      <a16:colId xmlns:a16="http://schemas.microsoft.com/office/drawing/2014/main" val="397432196"/>
+                      <a16:colId xmlns:a16="http://schemas.microsoft.com/office/drawing/2014/main" xmlns="" val="397432196"/>
                     </a:ext>
                   </a:extLst>
                 </a:gridCol>
                 <a:gridCol w="2628900">
                   <a:extLst>
                     <a:ext uri="{9D8B030D-6E8A-4147-A177-3AD203B41FA5}">
-                      <a16:colId xmlns:a16="http://schemas.microsoft.com/office/drawing/2014/main" val="862735919"/>
+                      <a16:colId xmlns:a16="http://schemas.microsoft.com/office/drawing/2014/main" xmlns="" val="862735919"/>
                     </a:ext>
                   </a:extLst>
                 </a:gridCol>
@@ -5304,7 +5312,7 @@
                 </a:tc>
                 <a:extLst>
                   <a:ext uri="{0D108BD9-81ED-4DB2-BD59-A6C34878D82A}">
-                    <a16:rowId xmlns:a16="http://schemas.microsoft.com/office/drawing/2014/main" val="567372543"/>
+                    <a16:rowId xmlns:a16="http://schemas.microsoft.com/office/drawing/2014/main" xmlns="" val="567372543"/>
                   </a:ext>
                 </a:extLst>
               </a:tr>
@@ -5360,7 +5368,7 @@
                 </a:tc>
                 <a:extLst>
                   <a:ext uri="{0D108BD9-81ED-4DB2-BD59-A6C34878D82A}">
-                    <a16:rowId xmlns:a16="http://schemas.microsoft.com/office/drawing/2014/main" val="2299440935"/>
+                    <a16:rowId xmlns:a16="http://schemas.microsoft.com/office/drawing/2014/main" xmlns="" val="2299440935"/>
                   </a:ext>
                 </a:extLst>
               </a:tr>
@@ -5416,7 +5424,7 @@
                 </a:tc>
                 <a:extLst>
                   <a:ext uri="{0D108BD9-81ED-4DB2-BD59-A6C34878D82A}">
-                    <a16:rowId xmlns:a16="http://schemas.microsoft.com/office/drawing/2014/main" val="1632698347"/>
+                    <a16:rowId xmlns:a16="http://schemas.microsoft.com/office/drawing/2014/main" xmlns="" val="1632698347"/>
                   </a:ext>
                 </a:extLst>
               </a:tr>
@@ -5472,7 +5480,7 @@
                 </a:tc>
                 <a:extLst>
                   <a:ext uri="{0D108BD9-81ED-4DB2-BD59-A6C34878D82A}">
-                    <a16:rowId xmlns:a16="http://schemas.microsoft.com/office/drawing/2014/main" val="1473007227"/>
+                    <a16:rowId xmlns:a16="http://schemas.microsoft.com/office/drawing/2014/main" xmlns="" val="1473007227"/>
                   </a:ext>
                 </a:extLst>
               </a:tr>
@@ -5571,6 +5579,10 @@
             <a:pPr marL="0" indent="0">
               <a:buNone/>
             </a:pPr>
+            <a:r>
+              <a:rPr lang="nl-NL" dirty="0"/>
+              <a:t/>
+            </a:r>
             <a:br>
               <a:rPr lang="nl-NL" dirty="0"/>
             </a:br>
@@ -5672,9 +5684,10 @@
           <a:lstStyle/>
           <a:p>
             <a:r>
-              <a:rPr lang="nl-NL" u="sng" dirty="0"/>
-              <a:t>Conclusies</a:t>
-            </a:r>
+              <a:rPr lang="nl-NL" u="sng" dirty="0" smtClean="0"/>
+              <a:t>CONCLUSIES</a:t>
+            </a:r>
+            <a:endParaRPr lang="nl-NL" u="sng" dirty="0"/>
           </a:p>
         </p:txBody>
       </p:sp>
@@ -5702,8 +5715,13 @@
           <a:p>
             <a:r>
               <a:rPr lang="nl-NL" dirty="0"/>
-              <a:t>Probleem 1: </a:t>
-            </a:r>
+              <a:t>Probleem </a:t>
+            </a:r>
+            <a:r>
+              <a:rPr lang="nl-NL" dirty="0" smtClean="0"/>
+              <a:t>1</a:t>
+            </a:r>
+            <a:endParaRPr lang="nl-NL" dirty="0"/>
           </a:p>
           <a:p>
             <a:pPr lvl="1"/>
@@ -5799,6 +5817,30 @@
           </a:p>
         </p:txBody>
       </p:sp>
+      <p:pic>
+        <p:nvPicPr>
+          <p:cNvPr id="4" name="Afbeelding 3"/>
+          <p:cNvPicPr>
+            <a:picLocks noChangeAspect="1"/>
+          </p:cNvPicPr>
+          <p:nvPr/>
+        </p:nvPicPr>
+        <p:blipFill>
+          <a:blip r:embed="rId2"/>
+          <a:stretch>
+            <a:fillRect/>
+          </a:stretch>
+        </p:blipFill>
+        <p:spPr>
+          <a:xfrm>
+            <a:off x="9757833" y="304114"/>
+            <a:ext cx="2434167" cy="1120099"/>
+          </a:xfrm>
+          <a:prstGeom prst="rect">
+            <a:avLst/>
+          </a:prstGeom>
+        </p:spPr>
+      </p:pic>
     </p:spTree>
     <p:extLst>
       <p:ext uri="{BB962C8B-B14F-4D97-AF65-F5344CB8AC3E}">
@@ -5953,6 +5995,10 @@
             <a:pPr marL="0" indent="0">
               <a:buNone/>
             </a:pPr>
+            <a:r>
+              <a:rPr lang="nl-NL" dirty="0"/>
+              <a:t/>
+            </a:r>
             <a:br>
               <a:rPr lang="nl-NL" dirty="0"/>
             </a:br>
@@ -6788,9 +6834,10 @@
               <a:buChar char="Ø"/>
             </a:pPr>
             <a:r>
-              <a:rPr lang="nl-NL" dirty="0"/>
-              <a:t>Vierkleurenprobleem</a:t>
-            </a:r>
+              <a:rPr lang="nl-NL" dirty="0" smtClean="0"/>
+              <a:t> Vierkleurenprobleem</a:t>
+            </a:r>
+            <a:endParaRPr lang="nl-NL" dirty="0"/>
           </a:p>
           <a:p>
             <a:pPr lvl="1">
@@ -6808,8 +6855,12 @@
               <a:buChar char="Ø"/>
             </a:pPr>
             <a:r>
+              <a:rPr lang="nl-NL" dirty="0" smtClean="0"/>
+              <a:t> Bij </a:t>
+            </a:r>
+            <a:r>
               <a:rPr lang="nl-NL" dirty="0"/>
-              <a:t>Bij alle oplossingen kan iedere zendertype in zijn geheel ook een ander zendertype zijn </a:t>
+              <a:t>alle oplossingen kan iedere zendertype in zijn geheel ook een ander zendertype zijn </a:t>
             </a:r>
           </a:p>
           <a:p>
@@ -7061,6 +7112,10 @@
             <a:pPr marL="0" indent="0">
               <a:buNone/>
             </a:pPr>
+            <a:r>
+              <a:rPr lang="nl-NL" dirty="0"/>
+              <a:t/>
+            </a:r>
             <a:br>
               <a:rPr lang="nl-NL" dirty="0"/>
             </a:br>
@@ -7154,6 +7209,10 @@
             <a:pPr marL="0" indent="0">
               <a:buNone/>
             </a:pPr>
+            <a:r>
+              <a:rPr lang="nl-NL" dirty="0"/>
+              <a:t/>
+            </a:r>
             <a:br>
               <a:rPr lang="nl-NL" dirty="0"/>
             </a:br>
@@ -7303,9 +7362,10 @@
           <a:lstStyle/>
           <a:p>
             <a:r>
-              <a:rPr lang="nl-NL" u="sng" dirty="0"/>
-              <a:t>Opdracht 2: Goedkoopste verdeling</a:t>
-            </a:r>
+              <a:rPr lang="nl-NL" u="sng" dirty="0" smtClean="0"/>
+              <a:t>OPDRACHT 2: GOEDKOOPSTE VERDELING</a:t>
+            </a:r>
+            <a:endParaRPr lang="nl-NL" u="sng" dirty="0"/>
           </a:p>
         </p:txBody>
       </p:sp>
@@ -7335,8 +7395,12 @@
               <a:buChar char="Ø"/>
             </a:pPr>
             <a:r>
+              <a:rPr lang="nl-NL" dirty="0" smtClean="0"/>
+              <a:t> 7</a:t>
+            </a:r>
+            <a:r>
               <a:rPr lang="nl-NL" dirty="0"/>
-              <a:t>7^82 = 1.99*10^69</a:t>
+              <a:t>^82 = 1.99*10^69</a:t>
             </a:r>
           </a:p>
           <a:p>
@@ -7374,6 +7438,30 @@
           <a:xfrm>
             <a:off x="6943725" y="1825625"/>
             <a:ext cx="4410075" cy="3152775"/>
+          </a:xfrm>
+          <a:prstGeom prst="rect">
+            <a:avLst/>
+          </a:prstGeom>
+        </p:spPr>
+      </p:pic>
+      <p:pic>
+        <p:nvPicPr>
+          <p:cNvPr id="5" name="Afbeelding 4"/>
+          <p:cNvPicPr>
+            <a:picLocks noChangeAspect="1"/>
+          </p:cNvPicPr>
+          <p:nvPr/>
+        </p:nvPicPr>
+        <p:blipFill>
+          <a:blip r:embed="rId3"/>
+          <a:stretch>
+            <a:fillRect/>
+          </a:stretch>
+        </p:blipFill>
+        <p:spPr>
+          <a:xfrm>
+            <a:off x="9757833" y="304114"/>
+            <a:ext cx="2434167" cy="1120099"/>
           </a:xfrm>
           <a:prstGeom prst="rect">
             <a:avLst/>
@@ -7473,7 +7561,15 @@
             </a:pPr>
             <a:r>
               <a:rPr lang="nl-NL" dirty="0"/>
-              <a:t>  Random sampling</a:t>
+              <a:t> </a:t>
+            </a:r>
+            <a:r>
+              <a:rPr lang="nl-NL" dirty="0" smtClean="0"/>
+              <a:t>Random </a:t>
+            </a:r>
+            <a:r>
+              <a:rPr lang="nl-NL" dirty="0"/>
+              <a:t>sampling</a:t>
             </a:r>
           </a:p>
           <a:p>
@@ -7555,6 +7651,10 @@
             <a:pPr marL="0" indent="0">
               <a:buNone/>
             </a:pPr>
+            <a:r>
+              <a:rPr lang="nl-NL" dirty="0"/>
+              <a:t/>
+            </a:r>
             <a:br>
               <a:rPr lang="nl-NL" dirty="0"/>
             </a:br>
@@ -7912,7 +8012,7 @@
   <a:extraClrSchemeLst/>
   <a:extLst>
     <a:ext uri="{05A4C25C-085E-4340-85A3-A5531E510DB2}">
-      <thm15:themeFamily xmlns:thm15="http://schemas.microsoft.com/office/thememl/2012/main" name="Office Theme" id="{62F939B6-93AF-4DB8-9C6B-D6C7DFDC589F}" vid="{4A3C46E8-61CC-4603-A589-7422A47A8E4A}"/>
+      <thm15:themeFamily xmlns:thm15="http://schemas.microsoft.com/office/thememl/2012/main" xmlns="" name="Office Theme" id="{62F939B6-93AF-4DB8-9C6B-D6C7DFDC589F}" vid="{4A3C46E8-61CC-4603-A589-7422A47A8E4A}"/>
     </a:ext>
   </a:extLst>
 </a:theme>
@@ -7961,7 +8061,7 @@
     </a:clrScheme>
     <a:fontScheme name="Kantoor">
       <a:majorFont>
-        <a:latin typeface="Calibri Light" panose="020F0302020204030204"/>
+        <a:latin typeface="Calibri Light"/>
         <a:ea typeface=""/>
         <a:cs typeface=""/>
         <a:font script="Jpan" typeface="游ゴシック Light"/>
@@ -8013,7 +8113,7 @@
         <a:font script="Tfng" typeface="Ebrima"/>
       </a:majorFont>
       <a:minorFont>
-        <a:latin typeface="Calibri" panose="020F0502020204030204"/>
+        <a:latin typeface="Calibri"/>
         <a:ea typeface=""/>
         <a:cs typeface=""/>
         <a:font script="Jpan" typeface="游ゴシック"/>
@@ -8207,7 +8307,7 @@
   <a:extraClrSchemeLst/>
   <a:extLst>
     <a:ext uri="{05A4C25C-085E-4340-85A3-A5531E510DB2}">
-      <thm15:themeFamily xmlns:thm15="http://schemas.microsoft.com/office/thememl/2012/main" name="Office Theme" id="{62F939B6-93AF-4DB8-9C6B-D6C7DFDC589F}" vid="{4A3C46E8-61CC-4603-A589-7422A47A8E4A}"/>
+      <thm15:themeFamily xmlns:thm15="http://schemas.microsoft.com/office/thememl/2012/main" xmlns="" name="Office Theme" id="{62F939B6-93AF-4DB8-9C6B-D6C7DFDC589F}" vid="{4A3C46E8-61CC-4603-A589-7422A47A8E4A}"/>
     </a:ext>
   </a:extLst>
 </a:theme>

--- a/eindpresentatie.pptx
+++ b/eindpresentatie.pptx
@@ -4729,15 +4729,20 @@
               <a:rPr lang="nl-NL" u="sng" dirty="0" smtClean="0"/>
             </a:br>
             <a:r>
+              <a:rPr lang="nl-NL" sz="1500" i="1" dirty="0" smtClean="0"/>
+              <a:t>10 000 </a:t>
+            </a:r>
+            <a:r>
+              <a:rPr lang="nl-NL" sz="1500" i="1" dirty="0" err="1" smtClean="0"/>
+              <a:t>tries</a:t>
+            </a:r>
+            <a:r>
+              <a:rPr lang="nl-NL" sz="1500" i="1" dirty="0" smtClean="0"/>
+              <a:t>	</a:t>
+            </a:r>
+            <a:r>
               <a:rPr lang="nl-NL" dirty="0" smtClean="0"/>
-              <a:t>					</a:t>
-            </a:r>
-            <a:br>
-              <a:rPr lang="nl-NL" dirty="0" smtClean="0"/>
-            </a:br>
-            <a:r>
-              <a:rPr lang="nl-NL" dirty="0" smtClean="0"/>
-              <a:t>					</a:t>
+              <a:t>				</a:t>
             </a:r>
             <a:endParaRPr lang="nl-NL" sz="3200" dirty="0"/>
           </a:p>
@@ -4759,8 +4764,8 @@
         </p:blipFill>
         <p:spPr>
           <a:xfrm>
-            <a:off x="727513" y="1485437"/>
-            <a:ext cx="10727727" cy="5189368"/>
+            <a:off x="986458" y="1674312"/>
+            <a:ext cx="10209837" cy="4938847"/>
           </a:xfrm>
           <a:prstGeom prst="rect">
             <a:avLst/>
@@ -5871,44 +5876,6 @@
           <a:chExt cx="0" cy="0"/>
         </a:xfrm>
       </p:grpSpPr>
-      <p:sp>
-        <p:nvSpPr>
-          <p:cNvPr id="2" name="Title 1"/>
-          <p:cNvSpPr>
-            <a:spLocks noGrp="1"/>
-          </p:cNvSpPr>
-          <p:nvPr>
-            <p:ph type="title"/>
-          </p:nvPr>
-        </p:nvSpPr>
-        <p:spPr/>
-        <p:txBody>
-          <a:bodyPr/>
-          <a:lstStyle/>
-          <a:p>
-            <a:endParaRPr lang="nl-NL"/>
-          </a:p>
-        </p:txBody>
-      </p:sp>
-      <p:sp>
-        <p:nvSpPr>
-          <p:cNvPr id="3" name="Content Placeholder 2"/>
-          <p:cNvSpPr>
-            <a:spLocks noGrp="1"/>
-          </p:cNvSpPr>
-          <p:nvPr>
-            <p:ph idx="1"/>
-          </p:nvPr>
-        </p:nvSpPr>
-        <p:spPr/>
-        <p:txBody>
-          <a:bodyPr/>
-          <a:lstStyle/>
-          <a:p>
-            <a:endParaRPr lang="nl-NL"/>
-          </a:p>
-        </p:txBody>
-      </p:sp>
       <p:pic>
         <p:nvPicPr>
           <p:cNvPr id="4" name="Picture 3"/>

--- a/eindpresentatie.pptx
+++ b/eindpresentatie.pptx
@@ -123,7 +123,7 @@
   </p:defaultTextStyle>
   <p:extLst>
     <p:ext uri="{EFAFB233-063F-42B5-8137-9DF3F51BA10A}">
-      <p15:sldGuideLst xmlns:p15="http://schemas.microsoft.com/office/powerpoint/2012/main" xmlns="">
+      <p15:sldGuideLst xmlns:p15="http://schemas.microsoft.com/office/powerpoint/2012/main">
         <p15:guide id="1" orient="horz" pos="2160">
           <p15:clr>
             <a:srgbClr val="A4A3A4"/>
@@ -141,7 +141,7 @@
 </file>
 
 <file path=ppt/charts/chart1.xml><?xml version="1.0" encoding="utf-8"?>
-<c:chartSpace xmlns:c="http://schemas.openxmlformats.org/drawingml/2006/chart" xmlns:a="http://schemas.openxmlformats.org/drawingml/2006/main" xmlns:r="http://schemas.openxmlformats.org/officeDocument/2006/relationships">
+<c:chartSpace xmlns:c="http://schemas.openxmlformats.org/drawingml/2006/chart" xmlns:a="http://schemas.openxmlformats.org/drawingml/2006/main" xmlns:r="http://schemas.openxmlformats.org/officeDocument/2006/relationships" xmlns:c16r2="http://schemas.microsoft.com/office/drawing/2015/06/chart">
   <c:date1904 val="0"/>
   <c:lang val="nl-NL"/>
   <c:roundedCorners val="0"/>
@@ -192,8 +192,8 @@
         <c:manualLayout>
           <c:xMode val="edge"/>
           <c:yMode val="edge"/>
-          <c:x val="0.324781936504512"/>
-          <c:y val="0.0"/>
+          <c:x val="0.32478193650451198"/>
+          <c:y val="0"/>
         </c:manualLayout>
       </c:layout>
       <c:overlay val="0"/>
@@ -245,7 +245,7 @@
             <c:showPercent val="0"/>
             <c:showBubbleSize val="0"/>
             <c:showLeaderLines val="0"/>
-            <c:extLst xmlns:c16r2="http://schemas.microsoft.com/office/drawing/2015/06/chart">
+            <c:extLst>
               <c:ext xmlns:c15="http://schemas.microsoft.com/office/drawing/2012/chart" uri="{CE6537A1-D6FC-4f65-9D91-7224C49458BB}">
                 <c15:showLeaderLines val="0"/>
               </c:ext>
@@ -278,21 +278,21 @@
                 <c:formatCode>0</c:formatCode>
                 <c:ptCount val="4"/>
                 <c:pt idx="0">
-                  <c:v>499.0</c:v>
+                  <c:v>499</c:v>
                 </c:pt>
                 <c:pt idx="1">
-                  <c:v>92.0</c:v>
+                  <c:v>92</c:v>
                 </c:pt>
                 <c:pt idx="2">
-                  <c:v>2.0</c:v>
+                  <c:v>2</c:v>
                 </c:pt>
                 <c:pt idx="3">
-                  <c:v>0.0</c:v>
+                  <c:v>0</c:v>
                 </c:pt>
               </c:numCache>
             </c:numRef>
           </c:val>
-          <c:extLst xmlns:c16r2="http://schemas.microsoft.com/office/drawing/2015/06/chart">
+          <c:extLst>
             <c:ext xmlns:c16="http://schemas.microsoft.com/office/drawing/2014/chart" uri="{C3380CC4-5D6E-409C-BE32-E72D297353CC}">
               <c16:uniqueId val="{00000000-F949-4671-AD9F-1FE391B89D59}"/>
             </c:ext>
@@ -338,7 +338,7 @@
             <c:showPercent val="0"/>
             <c:showBubbleSize val="0"/>
             <c:showLeaderLines val="0"/>
-            <c:extLst xmlns:c16r2="http://schemas.microsoft.com/office/drawing/2015/06/chart">
+            <c:extLst>
               <c:ext xmlns:c15="http://schemas.microsoft.com/office/drawing/2012/chart" uri="{CE6537A1-D6FC-4f65-9D91-7224C49458BB}">
                 <c15:showLeaderLines val="0"/>
               </c:ext>
@@ -371,21 +371,21 @@
                 <c:formatCode>0</c:formatCode>
                 <c:ptCount val="4"/>
                 <c:pt idx="0">
-                  <c:v>2457.0</c:v>
+                  <c:v>2457</c:v>
                 </c:pt>
                 <c:pt idx="1">
-                  <c:v>2844.0</c:v>
+                  <c:v>2844</c:v>
                 </c:pt>
                 <c:pt idx="2">
-                  <c:v>397.0</c:v>
+                  <c:v>397</c:v>
                 </c:pt>
                 <c:pt idx="3">
-                  <c:v>37.0</c:v>
+                  <c:v>37</c:v>
                 </c:pt>
               </c:numCache>
             </c:numRef>
           </c:val>
-          <c:extLst xmlns:c16r2="http://schemas.microsoft.com/office/drawing/2015/06/chart">
+          <c:extLst>
             <c:ext xmlns:c16="http://schemas.microsoft.com/office/drawing/2014/chart" uri="{C3380CC4-5D6E-409C-BE32-E72D297353CC}">
               <c16:uniqueId val="{00000001-F949-4671-AD9F-1FE391B89D59}"/>
             </c:ext>
@@ -431,7 +431,7 @@
             <c:showPercent val="0"/>
             <c:showBubbleSize val="0"/>
             <c:showLeaderLines val="0"/>
-            <c:extLst xmlns:c16r2="http://schemas.microsoft.com/office/drawing/2015/06/chart">
+            <c:extLst>
               <c:ext xmlns:c15="http://schemas.microsoft.com/office/drawing/2012/chart" uri="{CE6537A1-D6FC-4f65-9D91-7224C49458BB}">
                 <c15:showLeaderLines val="0"/>
               </c:ext>
@@ -464,21 +464,21 @@
                 <c:formatCode>0</c:formatCode>
                 <c:ptCount val="4"/>
                 <c:pt idx="0">
-                  <c:v>42.0</c:v>
+                  <c:v>42</c:v>
                 </c:pt>
                 <c:pt idx="1">
-                  <c:v>10.0</c:v>
+                  <c:v>10</c:v>
                 </c:pt>
                 <c:pt idx="2">
-                  <c:v>0.0</c:v>
+                  <c:v>0</c:v>
                 </c:pt>
                 <c:pt idx="3">
-                  <c:v>0.0</c:v>
+                  <c:v>0</c:v>
                 </c:pt>
               </c:numCache>
             </c:numRef>
           </c:val>
-          <c:extLst xmlns:c16r2="http://schemas.microsoft.com/office/drawing/2015/06/chart">
+          <c:extLst>
             <c:ext xmlns:c16="http://schemas.microsoft.com/office/drawing/2014/chart" uri="{C3380CC4-5D6E-409C-BE32-E72D297353CC}">
               <c16:uniqueId val="{00000002-F949-4671-AD9F-1FE391B89D59}"/>
             </c:ext>
@@ -548,7 +548,6 @@
               </a:p>
             </c:rich>
           </c:tx>
-          <c:layout/>
           <c:overlay val="0"/>
         </c:title>
         <c:numFmt formatCode="0" sourceLinked="1"/>
@@ -562,7 +561,6 @@
     </c:plotArea>
     <c:legend>
       <c:legendPos val="r"/>
-      <c:layout/>
       <c:overlay val="0"/>
       <c:txPr>
         <a:bodyPr/>
@@ -586,7 +584,7 @@
 </file>
 
 <file path=ppt/charts/chart2.xml><?xml version="1.0" encoding="utf-8"?>
-<c:chartSpace xmlns:c="http://schemas.openxmlformats.org/drawingml/2006/chart" xmlns:a="http://schemas.openxmlformats.org/drawingml/2006/main" xmlns:r="http://schemas.openxmlformats.org/officeDocument/2006/relationships">
+<c:chartSpace xmlns:c="http://schemas.openxmlformats.org/drawingml/2006/chart" xmlns:a="http://schemas.openxmlformats.org/drawingml/2006/main" xmlns:r="http://schemas.openxmlformats.org/officeDocument/2006/relationships" xmlns:c16r2="http://schemas.microsoft.com/office/drawing/2015/06/chart">
   <c:date1904 val="1"/>
   <c:lang val="nl-NL"/>
   <c:roundedCorners val="0"/>
@@ -619,8 +617,8 @@
         <c:manualLayout>
           <c:xMode val="edge"/>
           <c:yMode val="edge"/>
-          <c:x val="0.165179474559227"/>
-          <c:y val="0.0"/>
+          <c:x val="0.16517947455922699"/>
+          <c:y val="0"/>
         </c:manualLayout>
       </c:layout>
       <c:overlay val="0"/>
@@ -652,8 +650,8 @@
               <c:idx val="0"/>
               <c:layout>
                 <c:manualLayout>
-                  <c:x val="-1.48566625182729E-17"/>
-                  <c:y val="0.0092378752886836"/>
+                  <c:x val="-1.4856662518272899E-17"/>
+                  <c:y val="9.2378752886835992E-3"/>
                 </c:manualLayout>
               </c:layout>
               <c:showLegendKey val="0"/>
@@ -662,7 +660,7 @@
               <c:showSerName val="0"/>
               <c:showPercent val="0"/>
               <c:showBubbleSize val="0"/>
-              <c:extLst xmlns:c16r2="http://schemas.microsoft.com/office/drawing/2015/06/chart">
+              <c:extLst>
                 <c:ext xmlns:c15="http://schemas.microsoft.com/office/drawing/2012/chart" uri="{CE6537A1-D6FC-4f65-9D91-7224C49458BB}"/>
                 <c:ext xmlns:c16="http://schemas.microsoft.com/office/drawing/2014/chart" uri="{C3380CC4-5D6E-409C-BE32-E72D297353CC}">
                   <c16:uniqueId val="{00000000-2C3D-4126-A442-3DDF71414ABF}"/>
@@ -673,8 +671,8 @@
               <c:idx val="1"/>
               <c:layout>
                 <c:manualLayout>
-                  <c:x val="-2.97133250365458E-17"/>
-                  <c:y val="-0.0115473441108545"/>
+                  <c:x val="-2.9713325036545799E-17"/>
+                  <c:y val="-1.15473441108545E-2"/>
                 </c:manualLayout>
               </c:layout>
               <c:showLegendKey val="0"/>
@@ -683,7 +681,7 @@
               <c:showSerName val="0"/>
               <c:showPercent val="0"/>
               <c:showBubbleSize val="0"/>
-              <c:extLst xmlns:c16r2="http://schemas.microsoft.com/office/drawing/2015/06/chart">
+              <c:extLst>
                 <c:ext xmlns:c15="http://schemas.microsoft.com/office/drawing/2012/chart" uri="{CE6537A1-D6FC-4f65-9D91-7224C49458BB}"/>
                 <c:ext xmlns:c16="http://schemas.microsoft.com/office/drawing/2014/chart" uri="{C3380CC4-5D6E-409C-BE32-E72D297353CC}">
                   <c16:uniqueId val="{00000001-2C3D-4126-A442-3DDF71414ABF}"/>
@@ -714,7 +712,7 @@
             <c:showPercent val="0"/>
             <c:showBubbleSize val="0"/>
             <c:showLeaderLines val="0"/>
-            <c:extLst xmlns:c16r2="http://schemas.microsoft.com/office/drawing/2015/06/chart">
+            <c:extLst>
               <c:ext xmlns:c15="http://schemas.microsoft.com/office/drawing/2012/chart" uri="{CE6537A1-D6FC-4f65-9D91-7224C49458BB}">
                 <c15:showLeaderLines val="0"/>
               </c:ext>
@@ -747,21 +745,21 @@
                 <c:formatCode>General</c:formatCode>
                 <c:ptCount val="4"/>
                 <c:pt idx="0">
-                  <c:v>1128.0</c:v>
+                  <c:v>1128</c:v>
                 </c:pt>
                 <c:pt idx="1">
-                  <c:v>1982.0</c:v>
+                  <c:v>1982</c:v>
                 </c:pt>
                 <c:pt idx="2">
-                  <c:v>626.0</c:v>
+                  <c:v>626</c:v>
                 </c:pt>
                 <c:pt idx="3">
-                  <c:v>696.0</c:v>
+                  <c:v>696</c:v>
                 </c:pt>
               </c:numCache>
             </c:numRef>
           </c:val>
-          <c:extLst xmlns:c16r2="http://schemas.microsoft.com/office/drawing/2015/06/chart">
+          <c:extLst>
             <c:ext xmlns:c16="http://schemas.microsoft.com/office/drawing/2014/chart" uri="{C3380CC4-5D6E-409C-BE32-E72D297353CC}">
               <c16:uniqueId val="{00000002-2C3D-4126-A442-3DDF71414ABF}"/>
             </c:ext>
@@ -787,8 +785,8 @@
               <c:idx val="0"/>
               <c:layout>
                 <c:manualLayout>
-                  <c:x val="0.0"/>
-                  <c:y val="-0.0207852193995381"/>
+                  <c:x val="0"/>
+                  <c:y val="-2.0785219399538101E-2"/>
                 </c:manualLayout>
               </c:layout>
               <c:showLegendKey val="0"/>
@@ -797,7 +795,7 @@
               <c:showSerName val="0"/>
               <c:showPercent val="0"/>
               <c:showBubbleSize val="0"/>
-              <c:extLst xmlns:c16r2="http://schemas.microsoft.com/office/drawing/2015/06/chart">
+              <c:extLst>
                 <c:ext xmlns:c15="http://schemas.microsoft.com/office/drawing/2012/chart" uri="{CE6537A1-D6FC-4f65-9D91-7224C49458BB}"/>
                 <c:ext xmlns:c16="http://schemas.microsoft.com/office/drawing/2014/chart" uri="{C3380CC4-5D6E-409C-BE32-E72D297353CC}">
                   <c16:uniqueId val="{00000003-2C3D-4126-A442-3DDF71414ABF}"/>
@@ -808,8 +806,8 @@
               <c:idx val="1"/>
               <c:layout>
                 <c:manualLayout>
-                  <c:x val="0.0"/>
-                  <c:y val="0.0138568129330254"/>
+                  <c:x val="0"/>
+                  <c:y val="1.38568129330254E-2"/>
                 </c:manualLayout>
               </c:layout>
               <c:showLegendKey val="0"/>
@@ -818,7 +816,7 @@
               <c:showSerName val="0"/>
               <c:showPercent val="0"/>
               <c:showBubbleSize val="0"/>
-              <c:extLst xmlns:c16r2="http://schemas.microsoft.com/office/drawing/2015/06/chart">
+              <c:extLst>
                 <c:ext xmlns:c15="http://schemas.microsoft.com/office/drawing/2012/chart" uri="{CE6537A1-D6FC-4f65-9D91-7224C49458BB}"/>
                 <c:ext xmlns:c16="http://schemas.microsoft.com/office/drawing/2014/chart" uri="{C3380CC4-5D6E-409C-BE32-E72D297353CC}">
                   <c16:uniqueId val="{00000004-2C3D-4126-A442-3DDF71414ABF}"/>
@@ -849,7 +847,7 @@
             <c:showPercent val="0"/>
             <c:showBubbleSize val="0"/>
             <c:showLeaderLines val="0"/>
-            <c:extLst xmlns:c16r2="http://schemas.microsoft.com/office/drawing/2015/06/chart">
+            <c:extLst>
               <c:ext xmlns:c15="http://schemas.microsoft.com/office/drawing/2012/chart" uri="{CE6537A1-D6FC-4f65-9D91-7224C49458BB}">
                 <c15:showLeaderLines val="0"/>
               </c:ext>
@@ -882,21 +880,21 @@
                 <c:formatCode>General</c:formatCode>
                 <c:ptCount val="4"/>
                 <c:pt idx="0">
-                  <c:v>1128.0</c:v>
+                  <c:v>1128</c:v>
                 </c:pt>
                 <c:pt idx="1">
-                  <c:v>1958.0</c:v>
+                  <c:v>1958</c:v>
                 </c:pt>
                 <c:pt idx="2">
-                  <c:v>626.0</c:v>
+                  <c:v>626</c:v>
                 </c:pt>
                 <c:pt idx="3">
-                  <c:v>696.0</c:v>
+                  <c:v>696</c:v>
                 </c:pt>
               </c:numCache>
             </c:numRef>
           </c:val>
-          <c:extLst xmlns:c16r2="http://schemas.microsoft.com/office/drawing/2015/06/chart">
+          <c:extLst>
             <c:ext xmlns:c16="http://schemas.microsoft.com/office/drawing/2014/chart" uri="{C3380CC4-5D6E-409C-BE32-E72D297353CC}">
               <c16:uniqueId val="{00000005-2C3D-4126-A442-3DDF71414ABF}"/>
             </c:ext>
@@ -942,7 +940,7 @@
             <c:showPercent val="0"/>
             <c:showBubbleSize val="0"/>
             <c:showLeaderLines val="0"/>
-            <c:extLst xmlns:c16r2="http://schemas.microsoft.com/office/drawing/2015/06/chart">
+            <c:extLst>
               <c:ext xmlns:c15="http://schemas.microsoft.com/office/drawing/2012/chart" uri="{CE6537A1-D6FC-4f65-9D91-7224C49458BB}">
                 <c15:showLeaderLines val="0"/>
               </c:ext>
@@ -975,21 +973,21 @@
                 <c:formatCode>General</c:formatCode>
                 <c:ptCount val="4"/>
                 <c:pt idx="0">
-                  <c:v>1372.0</c:v>
+                  <c:v>1372</c:v>
                 </c:pt>
                 <c:pt idx="1">
-                  <c:v>2422.0</c:v>
+                  <c:v>2422</c:v>
                 </c:pt>
                 <c:pt idx="2">
-                  <c:v>741.0</c:v>
+                  <c:v>741</c:v>
                 </c:pt>
                 <c:pt idx="3">
-                  <c:v>836.0</c:v>
+                  <c:v>836</c:v>
                 </c:pt>
               </c:numCache>
             </c:numRef>
           </c:val>
-          <c:extLst xmlns:c16r2="http://schemas.microsoft.com/office/drawing/2015/06/chart">
+          <c:extLst>
             <c:ext xmlns:c16="http://schemas.microsoft.com/office/drawing/2014/chart" uri="{C3380CC4-5D6E-409C-BE32-E72D297353CC}">
               <c16:uniqueId val="{00000006-2C3D-4126-A442-3DDF71414ABF}"/>
             </c:ext>
@@ -1039,7 +1037,7 @@
         <c:axId val="2120512648"/>
         <c:scaling>
           <c:orientation val="minMax"/>
-          <c:max val="2500.0"/>
+          <c:max val="2500"/>
         </c:scaling>
         <c:delete val="0"/>
         <c:axPos val="l"/>
@@ -1060,7 +1058,6 @@
               </a:p>
             </c:rich>
           </c:tx>
-          <c:layout/>
           <c:overlay val="0"/>
         </c:title>
         <c:numFmt formatCode="General" sourceLinked="1"/>
@@ -1074,7 +1071,6 @@
     </c:plotArea>
     <c:legend>
       <c:legendPos val="r"/>
-      <c:layout/>
       <c:overlay val="0"/>
       <c:txPr>
         <a:bodyPr/>
@@ -1179,7 +1175,7 @@
           <a:p>
             <a:fld id="{D9C73654-FA52-4E91-A6E4-53134F299D0C}" type="datetimeFigureOut">
               <a:rPr lang="nl-NL" smtClean="0"/>
-              <a:t>25/05/16</a:t>
+              <a:t>25-5-2016</a:t>
             </a:fld>
             <a:endParaRPr lang="nl-NL"/>
           </a:p>
@@ -1667,7 +1663,7 @@
           <a:p>
             <a:fld id="{24F91115-6E23-48A2-830D-2E349A7A41D4}" type="datetimeFigureOut">
               <a:rPr lang="nl-NL" smtClean="0"/>
-              <a:t>25/05/16</a:t>
+              <a:t>25-5-2016</a:t>
             </a:fld>
             <a:endParaRPr lang="nl-NL"/>
           </a:p>
@@ -1835,7 +1831,7 @@
           <a:p>
             <a:fld id="{24F91115-6E23-48A2-830D-2E349A7A41D4}" type="datetimeFigureOut">
               <a:rPr lang="nl-NL" smtClean="0"/>
-              <a:t>25/05/16</a:t>
+              <a:t>25-5-2016</a:t>
             </a:fld>
             <a:endParaRPr lang="nl-NL"/>
           </a:p>
@@ -2013,7 +2009,7 @@
           <a:p>
             <a:fld id="{24F91115-6E23-48A2-830D-2E349A7A41D4}" type="datetimeFigureOut">
               <a:rPr lang="nl-NL" smtClean="0"/>
-              <a:t>25/05/16</a:t>
+              <a:t>25-5-2016</a:t>
             </a:fld>
             <a:endParaRPr lang="nl-NL"/>
           </a:p>
@@ -2181,7 +2177,7 @@
           <a:p>
             <a:fld id="{24F91115-6E23-48A2-830D-2E349A7A41D4}" type="datetimeFigureOut">
               <a:rPr lang="nl-NL" smtClean="0"/>
-              <a:t>25/05/16</a:t>
+              <a:t>25-5-2016</a:t>
             </a:fld>
             <a:endParaRPr lang="nl-NL"/>
           </a:p>
@@ -2426,7 +2422,7 @@
           <a:p>
             <a:fld id="{24F91115-6E23-48A2-830D-2E349A7A41D4}" type="datetimeFigureOut">
               <a:rPr lang="nl-NL" smtClean="0"/>
-              <a:t>25/05/16</a:t>
+              <a:t>25-5-2016</a:t>
             </a:fld>
             <a:endParaRPr lang="nl-NL"/>
           </a:p>
@@ -2655,7 +2651,7 @@
           <a:p>
             <a:fld id="{24F91115-6E23-48A2-830D-2E349A7A41D4}" type="datetimeFigureOut">
               <a:rPr lang="nl-NL" smtClean="0"/>
-              <a:t>25/05/16</a:t>
+              <a:t>25-5-2016</a:t>
             </a:fld>
             <a:endParaRPr lang="nl-NL"/>
           </a:p>
@@ -3019,7 +3015,7 @@
           <a:p>
             <a:fld id="{24F91115-6E23-48A2-830D-2E349A7A41D4}" type="datetimeFigureOut">
               <a:rPr lang="nl-NL" smtClean="0"/>
-              <a:t>25/05/16</a:t>
+              <a:t>25-5-2016</a:t>
             </a:fld>
             <a:endParaRPr lang="nl-NL"/>
           </a:p>
@@ -3136,7 +3132,7 @@
           <a:p>
             <a:fld id="{24F91115-6E23-48A2-830D-2E349A7A41D4}" type="datetimeFigureOut">
               <a:rPr lang="nl-NL" smtClean="0"/>
-              <a:t>25/05/16</a:t>
+              <a:t>25-5-2016</a:t>
             </a:fld>
             <a:endParaRPr lang="nl-NL"/>
           </a:p>
@@ -3231,7 +3227,7 @@
           <a:p>
             <a:fld id="{24F91115-6E23-48A2-830D-2E349A7A41D4}" type="datetimeFigureOut">
               <a:rPr lang="nl-NL" smtClean="0"/>
-              <a:t>25/05/16</a:t>
+              <a:t>25-5-2016</a:t>
             </a:fld>
             <a:endParaRPr lang="nl-NL"/>
           </a:p>
@@ -3506,7 +3502,7 @@
           <a:p>
             <a:fld id="{24F91115-6E23-48A2-830D-2E349A7A41D4}" type="datetimeFigureOut">
               <a:rPr lang="nl-NL" smtClean="0"/>
-              <a:t>25/05/16</a:t>
+              <a:t>25-5-2016</a:t>
             </a:fld>
             <a:endParaRPr lang="nl-NL"/>
           </a:p>
@@ -3758,7 +3754,7 @@
           <a:p>
             <a:fld id="{24F91115-6E23-48A2-830D-2E349A7A41D4}" type="datetimeFigureOut">
               <a:rPr lang="nl-NL" smtClean="0"/>
-              <a:t>25/05/16</a:t>
+              <a:t>25-5-2016</a:t>
             </a:fld>
             <a:endParaRPr lang="nl-NL"/>
           </a:p>
@@ -3972,7 +3968,7 @@
           <a:p>
             <a:fld id="{24F91115-6E23-48A2-830D-2E349A7A41D4}" type="datetimeFigureOut">
               <a:rPr lang="nl-NL" smtClean="0"/>
-              <a:t>25/05/16</a:t>
+              <a:t>25-5-2016</a:t>
             </a:fld>
             <a:endParaRPr lang="nl-NL"/>
           </a:p>
@@ -4666,10 +4662,6 @@
             <a:pPr marL="0" indent="0">
               <a:buNone/>
             </a:pPr>
-            <a:r>
-              <a:rPr lang="nl-NL" dirty="0"/>
-              <a:t/>
-            </a:r>
             <a:br>
               <a:rPr lang="nl-NL" dirty="0"/>
             </a:br>
@@ -4722,26 +4714,26 @@
           <a:lstStyle/>
           <a:p>
             <a:r>
-              <a:rPr lang="nl-NL" u="sng" dirty="0" smtClean="0"/>
+              <a:rPr lang="nl-NL" u="sng" dirty="0"/>
               <a:t>RESULTATEN OPDRACHT 2: RUSLAND</a:t>
             </a:r>
             <a:br>
-              <a:rPr lang="nl-NL" u="sng" dirty="0" smtClean="0"/>
+              <a:rPr lang="nl-NL" u="sng" dirty="0"/>
             </a:br>
             <a:r>
-              <a:rPr lang="nl-NL" sz="1500" i="1" dirty="0" smtClean="0"/>
+              <a:rPr lang="nl-NL" sz="1500" i="1" dirty="0"/>
               <a:t>10 000 </a:t>
             </a:r>
             <a:r>
-              <a:rPr lang="nl-NL" sz="1500" i="1" dirty="0" err="1" smtClean="0"/>
+              <a:rPr lang="nl-NL" sz="1500" i="1" dirty="0" err="1"/>
               <a:t>tries</a:t>
             </a:r>
             <a:r>
-              <a:rPr lang="nl-NL" sz="1500" i="1" dirty="0" smtClean="0"/>
+              <a:rPr lang="nl-NL" sz="1500" i="1" dirty="0"/>
               <a:t>	</a:t>
             </a:r>
             <a:r>
-              <a:rPr lang="nl-NL" dirty="0" smtClean="0"/>
+              <a:rPr lang="nl-NL" dirty="0"/>
               <a:t>				</a:t>
             </a:r>
             <a:endParaRPr lang="nl-NL" sz="3200" dirty="0"/>
@@ -4818,7 +4810,7 @@
           <a:lstStyle/>
           <a:p>
             <a:r>
-              <a:rPr lang="nl-NL" u="sng" dirty="0" smtClean="0"/>
+              <a:rPr lang="nl-NL" u="sng" dirty="0"/>
               <a:t>RESULTATEN OPDRACHT 2: RUSLAND</a:t>
             </a:r>
             <a:endParaRPr lang="nl-NL" dirty="0"/>
@@ -4854,28 +4846,28 @@
                 <a:gridCol w="2628900">
                   <a:extLst>
                     <a:ext uri="{9D8B030D-6E8A-4147-A177-3AD203B41FA5}">
-                      <a16:colId xmlns:a16="http://schemas.microsoft.com/office/drawing/2014/main" xmlns="" val="3306067407"/>
+                      <a16:colId xmlns:a16="http://schemas.microsoft.com/office/drawing/2014/main" val="3306067407"/>
                     </a:ext>
                   </a:extLst>
                 </a:gridCol>
                 <a:gridCol w="2628900">
                   <a:extLst>
                     <a:ext uri="{9D8B030D-6E8A-4147-A177-3AD203B41FA5}">
-                      <a16:colId xmlns:a16="http://schemas.microsoft.com/office/drawing/2014/main" xmlns="" val="219582485"/>
+                      <a16:colId xmlns:a16="http://schemas.microsoft.com/office/drawing/2014/main" val="219582485"/>
                     </a:ext>
                   </a:extLst>
                 </a:gridCol>
                 <a:gridCol w="2628900">
                   <a:extLst>
                     <a:ext uri="{9D8B030D-6E8A-4147-A177-3AD203B41FA5}">
-                      <a16:colId xmlns:a16="http://schemas.microsoft.com/office/drawing/2014/main" xmlns="" val="397432196"/>
+                      <a16:colId xmlns:a16="http://schemas.microsoft.com/office/drawing/2014/main" val="397432196"/>
                     </a:ext>
                   </a:extLst>
                 </a:gridCol>
                 <a:gridCol w="2628900">
                   <a:extLst>
                     <a:ext uri="{9D8B030D-6E8A-4147-A177-3AD203B41FA5}">
-                      <a16:colId xmlns:a16="http://schemas.microsoft.com/office/drawing/2014/main" xmlns="" val="862735919"/>
+                      <a16:colId xmlns:a16="http://schemas.microsoft.com/office/drawing/2014/main" val="862735919"/>
                     </a:ext>
                   </a:extLst>
                 </a:gridCol>
@@ -4963,7 +4955,7 @@
                 </a:tc>
                 <a:extLst>
                   <a:ext uri="{0D108BD9-81ED-4DB2-BD59-A6C34878D82A}">
-                    <a16:rowId xmlns:a16="http://schemas.microsoft.com/office/drawing/2014/main" xmlns="" val="567372543"/>
+                    <a16:rowId xmlns:a16="http://schemas.microsoft.com/office/drawing/2014/main" val="567372543"/>
                   </a:ext>
                 </a:extLst>
               </a:tr>
@@ -5022,7 +5014,7 @@
                 </a:tc>
                 <a:extLst>
                   <a:ext uri="{0D108BD9-81ED-4DB2-BD59-A6C34878D82A}">
-                    <a16:rowId xmlns:a16="http://schemas.microsoft.com/office/drawing/2014/main" xmlns="" val="2299440935"/>
+                    <a16:rowId xmlns:a16="http://schemas.microsoft.com/office/drawing/2014/main" val="2299440935"/>
                   </a:ext>
                 </a:extLst>
               </a:tr>
@@ -5081,7 +5073,7 @@
                 </a:tc>
                 <a:extLst>
                   <a:ext uri="{0D108BD9-81ED-4DB2-BD59-A6C34878D82A}">
-                    <a16:rowId xmlns:a16="http://schemas.microsoft.com/office/drawing/2014/main" xmlns="" val="1632698347"/>
+                    <a16:rowId xmlns:a16="http://schemas.microsoft.com/office/drawing/2014/main" val="1632698347"/>
                   </a:ext>
                 </a:extLst>
               </a:tr>
@@ -5140,7 +5132,7 @@
                 </a:tc>
                 <a:extLst>
                   <a:ext uri="{0D108BD9-81ED-4DB2-BD59-A6C34878D82A}">
-                    <a16:rowId xmlns:a16="http://schemas.microsoft.com/office/drawing/2014/main" xmlns="" val="1473007227"/>
+                    <a16:rowId xmlns:a16="http://schemas.microsoft.com/office/drawing/2014/main" val="1473007227"/>
                   </a:ext>
                 </a:extLst>
               </a:tr>
@@ -5189,13 +5181,13 @@
           <p:nvPr>
             <p:extLst>
               <p:ext uri="{D42A27DB-BD31-4B8C-83A1-F6EECF244321}">
-                <p14:modId xmlns:p14="http://schemas.microsoft.com/office/powerpoint/2010/main" val="2102364467"/>
+                <p14:modId xmlns:p14="http://schemas.microsoft.com/office/powerpoint/2010/main" val="3211793033"/>
               </p:ext>
             </p:extLst>
           </p:nvPr>
         </p:nvGraphicFramePr>
         <p:xfrm>
-          <a:off x="838200" y="4526480"/>
+          <a:off x="838200" y="4369437"/>
           <a:ext cx="10515600" cy="1483360"/>
         </p:xfrm>
         <a:graphic>
@@ -5208,28 +5200,28 @@
                 <a:gridCol w="2628900">
                   <a:extLst>
                     <a:ext uri="{9D8B030D-6E8A-4147-A177-3AD203B41FA5}">
-                      <a16:colId xmlns:a16="http://schemas.microsoft.com/office/drawing/2014/main" xmlns="" val="3306067407"/>
+                      <a16:colId xmlns:a16="http://schemas.microsoft.com/office/drawing/2014/main" val="3306067407"/>
                     </a:ext>
                   </a:extLst>
                 </a:gridCol>
                 <a:gridCol w="2628900">
                   <a:extLst>
                     <a:ext uri="{9D8B030D-6E8A-4147-A177-3AD203B41FA5}">
-                      <a16:colId xmlns:a16="http://schemas.microsoft.com/office/drawing/2014/main" xmlns="" val="219582485"/>
+                      <a16:colId xmlns:a16="http://schemas.microsoft.com/office/drawing/2014/main" val="219582485"/>
                     </a:ext>
                   </a:extLst>
                 </a:gridCol>
                 <a:gridCol w="2628900">
                   <a:extLst>
                     <a:ext uri="{9D8B030D-6E8A-4147-A177-3AD203B41FA5}">
-                      <a16:colId xmlns:a16="http://schemas.microsoft.com/office/drawing/2014/main" xmlns="" val="397432196"/>
+                      <a16:colId xmlns:a16="http://schemas.microsoft.com/office/drawing/2014/main" val="397432196"/>
                     </a:ext>
                   </a:extLst>
                 </a:gridCol>
                 <a:gridCol w="2628900">
                   <a:extLst>
                     <a:ext uri="{9D8B030D-6E8A-4147-A177-3AD203B41FA5}">
-                      <a16:colId xmlns:a16="http://schemas.microsoft.com/office/drawing/2014/main" xmlns="" val="862735919"/>
+                      <a16:colId xmlns:a16="http://schemas.microsoft.com/office/drawing/2014/main" val="862735919"/>
                     </a:ext>
                   </a:extLst>
                 </a:gridCol>
@@ -5317,7 +5309,7 @@
                 </a:tc>
                 <a:extLst>
                   <a:ext uri="{0D108BD9-81ED-4DB2-BD59-A6C34878D82A}">
-                    <a16:rowId xmlns:a16="http://schemas.microsoft.com/office/drawing/2014/main" xmlns="" val="567372543"/>
+                    <a16:rowId xmlns:a16="http://schemas.microsoft.com/office/drawing/2014/main" val="567372543"/>
                   </a:ext>
                 </a:extLst>
               </a:tr>
@@ -5353,7 +5345,10 @@
                     <a:bodyPr/>
                     <a:lstStyle/>
                     <a:p>
-                      <a:endParaRPr lang="nl-NL" dirty="0"/>
+                      <a:r>
+                        <a:rPr lang="nl-NL" dirty="0"/>
+                        <a:t>2494</a:t>
+                      </a:r>
                     </a:p>
                   </a:txBody>
                   <a:tcPr/>
@@ -5373,7 +5368,7 @@
                 </a:tc>
                 <a:extLst>
                   <a:ext uri="{0D108BD9-81ED-4DB2-BD59-A6C34878D82A}">
-                    <a16:rowId xmlns:a16="http://schemas.microsoft.com/office/drawing/2014/main" xmlns="" val="2299440935"/>
+                    <a16:rowId xmlns:a16="http://schemas.microsoft.com/office/drawing/2014/main" val="2299440935"/>
                   </a:ext>
                 </a:extLst>
               </a:tr>
@@ -5409,7 +5404,10 @@
                     <a:bodyPr/>
                     <a:lstStyle/>
                     <a:p>
-                      <a:endParaRPr lang="nl-NL" dirty="0"/>
+                      <a:r>
+                        <a:rPr lang="nl-NL" dirty="0"/>
+                        <a:t>2582</a:t>
+                      </a:r>
                     </a:p>
                   </a:txBody>
                   <a:tcPr/>
@@ -5429,7 +5427,7 @@
                 </a:tc>
                 <a:extLst>
                   <a:ext uri="{0D108BD9-81ED-4DB2-BD59-A6C34878D82A}">
-                    <a16:rowId xmlns:a16="http://schemas.microsoft.com/office/drawing/2014/main" xmlns="" val="1632698347"/>
+                    <a16:rowId xmlns:a16="http://schemas.microsoft.com/office/drawing/2014/main" val="1632698347"/>
                   </a:ext>
                 </a:extLst>
               </a:tr>
@@ -5465,7 +5463,10 @@
                     <a:bodyPr/>
                     <a:lstStyle/>
                     <a:p>
-                      <a:endParaRPr lang="nl-NL" dirty="0"/>
+                      <a:r>
+                        <a:rPr lang="nl-NL" dirty="0"/>
+                        <a:t>2535</a:t>
+                      </a:r>
                     </a:p>
                   </a:txBody>
                   <a:tcPr/>
@@ -5485,7 +5486,7 @@
                 </a:tc>
                 <a:extLst>
                   <a:ext uri="{0D108BD9-81ED-4DB2-BD59-A6C34878D82A}">
-                    <a16:rowId xmlns:a16="http://schemas.microsoft.com/office/drawing/2014/main" xmlns="" val="1473007227"/>
+                    <a16:rowId xmlns:a16="http://schemas.microsoft.com/office/drawing/2014/main" val="1473007227"/>
                   </a:ext>
                 </a:extLst>
               </a:tr>
@@ -5501,7 +5502,7 @@
         </p:nvSpPr>
         <p:spPr>
           <a:xfrm>
-            <a:off x="838200" y="4157148"/>
+            <a:off x="838200" y="4000105"/>
             <a:ext cx="12108873" cy="369332"/>
           </a:xfrm>
           <a:prstGeom prst="rect">
@@ -5584,10 +5585,6 @@
             <a:pPr marL="0" indent="0">
               <a:buNone/>
             </a:pPr>
-            <a:r>
-              <a:rPr lang="nl-NL" dirty="0"/>
-              <a:t/>
-            </a:r>
             <a:br>
               <a:rPr lang="nl-NL" dirty="0"/>
             </a:br>
@@ -5689,10 +5686,9 @@
           <a:lstStyle/>
           <a:p>
             <a:r>
-              <a:rPr lang="nl-NL" u="sng" dirty="0" smtClean="0"/>
+              <a:rPr lang="nl-NL" u="sng" dirty="0"/>
               <a:t>CONCLUSIES</a:t>
             </a:r>
-            <a:endParaRPr lang="nl-NL" u="sng" dirty="0"/>
           </a:p>
         </p:txBody>
       </p:sp>
@@ -5720,13 +5716,8 @@
           <a:p>
             <a:r>
               <a:rPr lang="nl-NL" dirty="0"/>
-              <a:t>Probleem </a:t>
-            </a:r>
-            <a:r>
-              <a:rPr lang="nl-NL" dirty="0" smtClean="0"/>
-              <a:t>1</a:t>
-            </a:r>
-            <a:endParaRPr lang="nl-NL" dirty="0"/>
+              <a:t>Probleem 1</a:t>
+            </a:r>
           </a:p>
           <a:p>
             <a:pPr lvl="1"/>
@@ -5962,10 +5953,6 @@
             <a:pPr marL="0" indent="0">
               <a:buNone/>
             </a:pPr>
-            <a:r>
-              <a:rPr lang="nl-NL" dirty="0"/>
-              <a:t/>
-            </a:r>
             <a:br>
               <a:rPr lang="nl-NL" dirty="0"/>
             </a:br>
@@ -6801,10 +6788,9 @@
               <a:buChar char="Ø"/>
             </a:pPr>
             <a:r>
-              <a:rPr lang="nl-NL" dirty="0" smtClean="0"/>
+              <a:rPr lang="nl-NL" dirty="0"/>
               <a:t> Vierkleurenprobleem</a:t>
             </a:r>
-            <a:endParaRPr lang="nl-NL" dirty="0"/>
           </a:p>
           <a:p>
             <a:pPr lvl="1">
@@ -6822,12 +6808,8 @@
               <a:buChar char="Ø"/>
             </a:pPr>
             <a:r>
-              <a:rPr lang="nl-NL" dirty="0" smtClean="0"/>
-              <a:t> Bij </a:t>
-            </a:r>
-            <a:r>
               <a:rPr lang="nl-NL" dirty="0"/>
-              <a:t>alle oplossingen kan iedere zendertype in zijn geheel ook een ander zendertype zijn </a:t>
+              <a:t> Bij alle oplossingen kan iedere zendertype in zijn geheel ook een ander zendertype zijn </a:t>
             </a:r>
           </a:p>
           <a:p>
@@ -7079,10 +7061,6 @@
             <a:pPr marL="0" indent="0">
               <a:buNone/>
             </a:pPr>
-            <a:r>
-              <a:rPr lang="nl-NL" dirty="0"/>
-              <a:t/>
-            </a:r>
             <a:br>
               <a:rPr lang="nl-NL" dirty="0"/>
             </a:br>
@@ -7176,10 +7154,6 @@
             <a:pPr marL="0" indent="0">
               <a:buNone/>
             </a:pPr>
-            <a:r>
-              <a:rPr lang="nl-NL" dirty="0"/>
-              <a:t/>
-            </a:r>
             <a:br>
               <a:rPr lang="nl-NL" dirty="0"/>
             </a:br>
@@ -7329,10 +7303,9 @@
           <a:lstStyle/>
           <a:p>
             <a:r>
-              <a:rPr lang="nl-NL" u="sng" dirty="0" smtClean="0"/>
+              <a:rPr lang="nl-NL" u="sng" dirty="0"/>
               <a:t>OPDRACHT 2: GOEDKOOPSTE VERDELING</a:t>
             </a:r>
-            <a:endParaRPr lang="nl-NL" u="sng" dirty="0"/>
           </a:p>
         </p:txBody>
       </p:sp>
@@ -7362,12 +7335,8 @@
               <a:buChar char="Ø"/>
             </a:pPr>
             <a:r>
-              <a:rPr lang="nl-NL" dirty="0" smtClean="0"/>
-              <a:t> 7</a:t>
-            </a:r>
-            <a:r>
               <a:rPr lang="nl-NL" dirty="0"/>
-              <a:t>^82 = 1.99*10^69</a:t>
+              <a:t> 7^82 = 1.99*10^69</a:t>
             </a:r>
           </a:p>
           <a:p>
@@ -7528,15 +7497,7 @@
             </a:pPr>
             <a:r>
               <a:rPr lang="nl-NL" dirty="0"/>
-              <a:t> </a:t>
-            </a:r>
-            <a:r>
-              <a:rPr lang="nl-NL" dirty="0" smtClean="0"/>
-              <a:t>Random </a:t>
-            </a:r>
-            <a:r>
-              <a:rPr lang="nl-NL" dirty="0"/>
-              <a:t>sampling</a:t>
+              <a:t> Random sampling</a:t>
             </a:r>
           </a:p>
           <a:p>
@@ -7618,10 +7579,6 @@
             <a:pPr marL="0" indent="0">
               <a:buNone/>
             </a:pPr>
-            <a:r>
-              <a:rPr lang="nl-NL" dirty="0"/>
-              <a:t/>
-            </a:r>
             <a:br>
               <a:rPr lang="nl-NL" dirty="0"/>
             </a:br>
@@ -7979,7 +7936,7 @@
   <a:extraClrSchemeLst/>
   <a:extLst>
     <a:ext uri="{05A4C25C-085E-4340-85A3-A5531E510DB2}">
-      <thm15:themeFamily xmlns:thm15="http://schemas.microsoft.com/office/thememl/2012/main" xmlns="" name="Office Theme" id="{62F939B6-93AF-4DB8-9C6B-D6C7DFDC589F}" vid="{4A3C46E8-61CC-4603-A589-7422A47A8E4A}"/>
+      <thm15:themeFamily xmlns:thm15="http://schemas.microsoft.com/office/thememl/2012/main" name="Office Theme" id="{62F939B6-93AF-4DB8-9C6B-D6C7DFDC589F}" vid="{4A3C46E8-61CC-4603-A589-7422A47A8E4A}"/>
     </a:ext>
   </a:extLst>
 </a:theme>
@@ -8274,7 +8231,7 @@
   <a:extraClrSchemeLst/>
   <a:extLst>
     <a:ext uri="{05A4C25C-085E-4340-85A3-A5531E510DB2}">
-      <thm15:themeFamily xmlns:thm15="http://schemas.microsoft.com/office/thememl/2012/main" xmlns="" name="Office Theme" id="{62F939B6-93AF-4DB8-9C6B-D6C7DFDC589F}" vid="{4A3C46E8-61CC-4603-A589-7422A47A8E4A}"/>
+      <thm15:themeFamily xmlns:thm15="http://schemas.microsoft.com/office/thememl/2012/main" name="Office Theme" id="{62F939B6-93AF-4DB8-9C6B-D6C7DFDC589F}" vid="{4A3C46E8-61CC-4603-A589-7422A47A8E4A}"/>
     </a:ext>
   </a:extLst>
 </a:theme>

--- a/eindpresentatie.pptx
+++ b/eindpresentatie.pptx
@@ -5,7 +5,7 @@
     <p:sldMasterId id="2147483648" r:id="rId1"/>
   </p:sldMasterIdLst>
   <p:notesMasterIdLst>
-    <p:notesMasterId r:id="rId17"/>
+    <p:notesMasterId r:id="rId19"/>
   </p:notesMasterIdLst>
   <p:sldIdLst>
     <p:sldId id="256" r:id="rId2"/>
@@ -20,9 +20,11 @@
     <p:sldId id="266" r:id="rId11"/>
     <p:sldId id="276" r:id="rId12"/>
     <p:sldId id="271" r:id="rId13"/>
-    <p:sldId id="277" r:id="rId14"/>
-    <p:sldId id="274" r:id="rId15"/>
-    <p:sldId id="272" r:id="rId16"/>
+    <p:sldId id="278" r:id="rId14"/>
+    <p:sldId id="279" r:id="rId15"/>
+    <p:sldId id="280" r:id="rId16"/>
+    <p:sldId id="277" r:id="rId17"/>
+    <p:sldId id="272" r:id="rId18"/>
   </p:sldIdLst>
   <p:sldSz cx="12192000" cy="6858000"/>
   <p:notesSz cx="6858000" cy="9144000"/>
@@ -123,7 +125,7 @@
   </p:defaultTextStyle>
   <p:extLst>
     <p:ext uri="{EFAFB233-063F-42B5-8137-9DF3F51BA10A}">
-      <p15:sldGuideLst xmlns:p15="http://schemas.microsoft.com/office/powerpoint/2012/main">
+      <p15:sldGuideLst xmlns:p15="http://schemas.microsoft.com/office/powerpoint/2012/main" xmlns="">
         <p15:guide id="1" orient="horz" pos="2160">
           <p15:clr>
             <a:srgbClr val="A4A3A4"/>
@@ -141,9 +143,9 @@
 </file>
 
 <file path=ppt/charts/chart1.xml><?xml version="1.0" encoding="utf-8"?>
-<c:chartSpace xmlns:c="http://schemas.openxmlformats.org/drawingml/2006/chart" xmlns:a="http://schemas.openxmlformats.org/drawingml/2006/main" xmlns:r="http://schemas.openxmlformats.org/officeDocument/2006/relationships" xmlns:c16r2="http://schemas.microsoft.com/office/drawing/2015/06/chart">
+<c:chartSpace xmlns:c="http://schemas.openxmlformats.org/drawingml/2006/chart" xmlns:a="http://schemas.openxmlformats.org/drawingml/2006/main" xmlns:r="http://schemas.openxmlformats.org/officeDocument/2006/relationships">
   <c:date1904 val="0"/>
-  <c:lang val="nl-NL"/>
+  <c:lang val="en-GB"/>
   <c:roundedCorners val="0"/>
   <mc:AlternateContent xmlns:mc="http://schemas.openxmlformats.org/markup-compatibility/2006">
     <mc:Choice xmlns:c14="http://schemas.microsoft.com/office/drawing/2007/8/2/chart" Requires="c14">
@@ -235,7 +237,7 @@
                 <a:pPr>
                   <a:defRPr sz="1500"/>
                 </a:pPr>
-                <a:endParaRPr lang="nl-NL"/>
+                <a:endParaRPr lang="en-US"/>
               </a:p>
             </c:txPr>
             <c:showLegendKey val="0"/>
@@ -245,7 +247,7 @@
             <c:showPercent val="0"/>
             <c:showBubbleSize val="0"/>
             <c:showLeaderLines val="0"/>
-            <c:extLst>
+            <c:extLst xmlns:c16r2="http://schemas.microsoft.com/office/drawing/2015/06/chart">
               <c:ext xmlns:c15="http://schemas.microsoft.com/office/drawing/2012/chart" uri="{CE6537A1-D6FC-4f65-9D91-7224C49458BB}">
                 <c15:showLeaderLines val="0"/>
               </c:ext>
@@ -292,7 +294,7 @@
               </c:numCache>
             </c:numRef>
           </c:val>
-          <c:extLst>
+          <c:extLst xmlns:c16r2="http://schemas.microsoft.com/office/drawing/2015/06/chart">
             <c:ext xmlns:c16="http://schemas.microsoft.com/office/drawing/2014/chart" uri="{C3380CC4-5D6E-409C-BE32-E72D297353CC}">
               <c16:uniqueId val="{00000000-F949-4671-AD9F-1FE391B89D59}"/>
             </c:ext>
@@ -328,7 +330,7 @@
                 <a:pPr>
                   <a:defRPr sz="1500"/>
                 </a:pPr>
-                <a:endParaRPr lang="nl-NL"/>
+                <a:endParaRPr lang="en-US"/>
               </a:p>
             </c:txPr>
             <c:showLegendKey val="0"/>
@@ -338,7 +340,7 @@
             <c:showPercent val="0"/>
             <c:showBubbleSize val="0"/>
             <c:showLeaderLines val="0"/>
-            <c:extLst>
+            <c:extLst xmlns:c16r2="http://schemas.microsoft.com/office/drawing/2015/06/chart">
               <c:ext xmlns:c15="http://schemas.microsoft.com/office/drawing/2012/chart" uri="{CE6537A1-D6FC-4f65-9D91-7224C49458BB}">
                 <c15:showLeaderLines val="0"/>
               </c:ext>
@@ -385,7 +387,7 @@
               </c:numCache>
             </c:numRef>
           </c:val>
-          <c:extLst>
+          <c:extLst xmlns:c16r2="http://schemas.microsoft.com/office/drawing/2015/06/chart">
             <c:ext xmlns:c16="http://schemas.microsoft.com/office/drawing/2014/chart" uri="{C3380CC4-5D6E-409C-BE32-E72D297353CC}">
               <c16:uniqueId val="{00000001-F949-4671-AD9F-1FE391B89D59}"/>
             </c:ext>
@@ -421,7 +423,7 @@
                 <a:pPr>
                   <a:defRPr sz="1500"/>
                 </a:pPr>
-                <a:endParaRPr lang="nl-NL"/>
+                <a:endParaRPr lang="en-US"/>
               </a:p>
             </c:txPr>
             <c:showLegendKey val="0"/>
@@ -431,7 +433,7 @@
             <c:showPercent val="0"/>
             <c:showBubbleSize val="0"/>
             <c:showLeaderLines val="0"/>
-            <c:extLst>
+            <c:extLst xmlns:c16r2="http://schemas.microsoft.com/office/drawing/2015/06/chart">
               <c:ext xmlns:c15="http://schemas.microsoft.com/office/drawing/2012/chart" uri="{CE6537A1-D6FC-4f65-9D91-7224C49458BB}">
                 <c15:showLeaderLines val="0"/>
               </c:ext>
@@ -478,7 +480,7 @@
               </c:numCache>
             </c:numRef>
           </c:val>
-          <c:extLst>
+          <c:extLst xmlns:c16r2="http://schemas.microsoft.com/office/drawing/2015/06/chart">
             <c:ext xmlns:c16="http://schemas.microsoft.com/office/drawing/2014/chart" uri="{C3380CC4-5D6E-409C-BE32-E72D297353CC}">
               <c16:uniqueId val="{00000002-F949-4671-AD9F-1FE391B89D59}"/>
             </c:ext>
@@ -493,11 +495,11 @@
           <c:showBubbleSize val="0"/>
         </c:dLbls>
         <c:gapWidth val="150"/>
-        <c:axId val="2127332792"/>
-        <c:axId val="2127335944"/>
+        <c:axId val="79783040"/>
+        <c:axId val="79784576"/>
       </c:barChart>
       <c:catAx>
-        <c:axId val="2127332792"/>
+        <c:axId val="79783040"/>
         <c:scaling>
           <c:orientation val="minMax"/>
         </c:scaling>
@@ -514,10 +516,10 @@
             <a:pPr>
               <a:defRPr sz="2500"/>
             </a:pPr>
-            <a:endParaRPr lang="nl-NL"/>
+            <a:endParaRPr lang="en-US"/>
           </a:p>
         </c:txPr>
-        <c:crossAx val="2127335944"/>
+        <c:crossAx val="79784576"/>
         <c:crosses val="autoZero"/>
         <c:auto val="1"/>
         <c:lblAlgn val="ctr"/>
@@ -525,7 +527,7 @@
         <c:noMultiLvlLbl val="0"/>
       </c:catAx>
       <c:valAx>
-        <c:axId val="2127335944"/>
+        <c:axId val="79784576"/>
         <c:scaling>
           <c:orientation val="minMax"/>
         </c:scaling>
@@ -548,19 +550,21 @@
               </a:p>
             </c:rich>
           </c:tx>
+          <c:layout/>
           <c:overlay val="0"/>
         </c:title>
         <c:numFmt formatCode="0" sourceLinked="1"/>
         <c:majorTickMark val="out"/>
         <c:minorTickMark val="none"/>
         <c:tickLblPos val="nextTo"/>
-        <c:crossAx val="2127332792"/>
+        <c:crossAx val="79783040"/>
         <c:crosses val="autoZero"/>
         <c:crossBetween val="between"/>
       </c:valAx>
     </c:plotArea>
     <c:legend>
       <c:legendPos val="r"/>
+      <c:layout/>
       <c:overlay val="0"/>
       <c:txPr>
         <a:bodyPr/>
@@ -569,7 +573,7 @@
           <a:pPr>
             <a:defRPr sz="2500"/>
           </a:pPr>
-          <a:endParaRPr lang="nl-NL"/>
+          <a:endParaRPr lang="en-US"/>
         </a:p>
       </c:txPr>
     </c:legend>
@@ -584,9 +588,9 @@
 </file>
 
 <file path=ppt/charts/chart2.xml><?xml version="1.0" encoding="utf-8"?>
-<c:chartSpace xmlns:c="http://schemas.openxmlformats.org/drawingml/2006/chart" xmlns:a="http://schemas.openxmlformats.org/drawingml/2006/main" xmlns:r="http://schemas.openxmlformats.org/officeDocument/2006/relationships" xmlns:c16r2="http://schemas.microsoft.com/office/drawing/2015/06/chart">
+<c:chartSpace xmlns:c="http://schemas.openxmlformats.org/drawingml/2006/chart" xmlns:a="http://schemas.openxmlformats.org/drawingml/2006/main" xmlns:r="http://schemas.openxmlformats.org/officeDocument/2006/relationships">
   <c:date1904 val="1"/>
-  <c:lang val="nl-NL"/>
+  <c:lang val="en-GB"/>
   <c:roundedCorners val="0"/>
   <mc:AlternateContent xmlns:mc="http://schemas.openxmlformats.org/markup-compatibility/2006">
     <mc:Choice xmlns:c14="http://schemas.microsoft.com/office/drawing/2007/8/2/chart" Requires="c14">
@@ -660,7 +664,7 @@
               <c:showSerName val="0"/>
               <c:showPercent val="0"/>
               <c:showBubbleSize val="0"/>
-              <c:extLst>
+              <c:extLst xmlns:c16r2="http://schemas.microsoft.com/office/drawing/2015/06/chart">
                 <c:ext xmlns:c15="http://schemas.microsoft.com/office/drawing/2012/chart" uri="{CE6537A1-D6FC-4f65-9D91-7224C49458BB}"/>
                 <c:ext xmlns:c16="http://schemas.microsoft.com/office/drawing/2014/chart" uri="{C3380CC4-5D6E-409C-BE32-E72D297353CC}">
                   <c16:uniqueId val="{00000000-2C3D-4126-A442-3DDF71414ABF}"/>
@@ -681,7 +685,7 @@
               <c:showSerName val="0"/>
               <c:showPercent val="0"/>
               <c:showBubbleSize val="0"/>
-              <c:extLst>
+              <c:extLst xmlns:c16r2="http://schemas.microsoft.com/office/drawing/2015/06/chart">
                 <c:ext xmlns:c15="http://schemas.microsoft.com/office/drawing/2012/chart" uri="{CE6537A1-D6FC-4f65-9D91-7224C49458BB}"/>
                 <c:ext xmlns:c16="http://schemas.microsoft.com/office/drawing/2014/chart" uri="{C3380CC4-5D6E-409C-BE32-E72D297353CC}">
                   <c16:uniqueId val="{00000001-2C3D-4126-A442-3DDF71414ABF}"/>
@@ -702,7 +706,7 @@
                 <a:pPr>
                   <a:defRPr sz="1300"/>
                 </a:pPr>
-                <a:endParaRPr lang="nl-NL"/>
+                <a:endParaRPr lang="en-US"/>
               </a:p>
             </c:txPr>
             <c:showLegendKey val="0"/>
@@ -712,7 +716,7 @@
             <c:showPercent val="0"/>
             <c:showBubbleSize val="0"/>
             <c:showLeaderLines val="0"/>
-            <c:extLst>
+            <c:extLst xmlns:c16r2="http://schemas.microsoft.com/office/drawing/2015/06/chart">
               <c:ext xmlns:c15="http://schemas.microsoft.com/office/drawing/2012/chart" uri="{CE6537A1-D6FC-4f65-9D91-7224C49458BB}">
                 <c15:showLeaderLines val="0"/>
               </c:ext>
@@ -759,7 +763,7 @@
               </c:numCache>
             </c:numRef>
           </c:val>
-          <c:extLst>
+          <c:extLst xmlns:c16r2="http://schemas.microsoft.com/office/drawing/2015/06/chart">
             <c:ext xmlns:c16="http://schemas.microsoft.com/office/drawing/2014/chart" uri="{C3380CC4-5D6E-409C-BE32-E72D297353CC}">
               <c16:uniqueId val="{00000002-2C3D-4126-A442-3DDF71414ABF}"/>
             </c:ext>
@@ -795,7 +799,7 @@
               <c:showSerName val="0"/>
               <c:showPercent val="0"/>
               <c:showBubbleSize val="0"/>
-              <c:extLst>
+              <c:extLst xmlns:c16r2="http://schemas.microsoft.com/office/drawing/2015/06/chart">
                 <c:ext xmlns:c15="http://schemas.microsoft.com/office/drawing/2012/chart" uri="{CE6537A1-D6FC-4f65-9D91-7224C49458BB}"/>
                 <c:ext xmlns:c16="http://schemas.microsoft.com/office/drawing/2014/chart" uri="{C3380CC4-5D6E-409C-BE32-E72D297353CC}">
                   <c16:uniqueId val="{00000003-2C3D-4126-A442-3DDF71414ABF}"/>
@@ -816,7 +820,7 @@
               <c:showSerName val="0"/>
               <c:showPercent val="0"/>
               <c:showBubbleSize val="0"/>
-              <c:extLst>
+              <c:extLst xmlns:c16r2="http://schemas.microsoft.com/office/drawing/2015/06/chart">
                 <c:ext xmlns:c15="http://schemas.microsoft.com/office/drawing/2012/chart" uri="{CE6537A1-D6FC-4f65-9D91-7224C49458BB}"/>
                 <c:ext xmlns:c16="http://schemas.microsoft.com/office/drawing/2014/chart" uri="{C3380CC4-5D6E-409C-BE32-E72D297353CC}">
                   <c16:uniqueId val="{00000004-2C3D-4126-A442-3DDF71414ABF}"/>
@@ -837,7 +841,7 @@
                 <a:pPr>
                   <a:defRPr sz="1300"/>
                 </a:pPr>
-                <a:endParaRPr lang="nl-NL"/>
+                <a:endParaRPr lang="en-US"/>
               </a:p>
             </c:txPr>
             <c:showLegendKey val="0"/>
@@ -847,7 +851,7 @@
             <c:showPercent val="0"/>
             <c:showBubbleSize val="0"/>
             <c:showLeaderLines val="0"/>
-            <c:extLst>
+            <c:extLst xmlns:c16r2="http://schemas.microsoft.com/office/drawing/2015/06/chart">
               <c:ext xmlns:c15="http://schemas.microsoft.com/office/drawing/2012/chart" uri="{CE6537A1-D6FC-4f65-9D91-7224C49458BB}">
                 <c15:showLeaderLines val="0"/>
               </c:ext>
@@ -894,7 +898,7 @@
               </c:numCache>
             </c:numRef>
           </c:val>
-          <c:extLst>
+          <c:extLst xmlns:c16r2="http://schemas.microsoft.com/office/drawing/2015/06/chart">
             <c:ext xmlns:c16="http://schemas.microsoft.com/office/drawing/2014/chart" uri="{C3380CC4-5D6E-409C-BE32-E72D297353CC}">
               <c16:uniqueId val="{00000005-2C3D-4126-A442-3DDF71414ABF}"/>
             </c:ext>
@@ -930,7 +934,7 @@
                 <a:pPr>
                   <a:defRPr sz="1300"/>
                 </a:pPr>
-                <a:endParaRPr lang="nl-NL"/>
+                <a:endParaRPr lang="en-US"/>
               </a:p>
             </c:txPr>
             <c:showLegendKey val="0"/>
@@ -940,7 +944,7 @@
             <c:showPercent val="0"/>
             <c:showBubbleSize val="0"/>
             <c:showLeaderLines val="0"/>
-            <c:extLst>
+            <c:extLst xmlns:c16r2="http://schemas.microsoft.com/office/drawing/2015/06/chart">
               <c:ext xmlns:c15="http://schemas.microsoft.com/office/drawing/2012/chart" uri="{CE6537A1-D6FC-4f65-9D91-7224C49458BB}">
                 <c15:showLeaderLines val="0"/>
               </c:ext>
@@ -987,7 +991,7 @@
               </c:numCache>
             </c:numRef>
           </c:val>
-          <c:extLst>
+          <c:extLst xmlns:c16r2="http://schemas.microsoft.com/office/drawing/2015/06/chart">
             <c:ext xmlns:c16="http://schemas.microsoft.com/office/drawing/2014/chart" uri="{C3380CC4-5D6E-409C-BE32-E72D297353CC}">
               <c16:uniqueId val="{00000006-2C3D-4126-A442-3DDF71414ABF}"/>
             </c:ext>
@@ -1002,11 +1006,11 @@
           <c:showBubbleSize val="0"/>
         </c:dLbls>
         <c:gapWidth val="150"/>
-        <c:axId val="2120509560"/>
-        <c:axId val="2120512648"/>
+        <c:axId val="79849344"/>
+        <c:axId val="79850880"/>
       </c:barChart>
       <c:catAx>
-        <c:axId val="2120509560"/>
+        <c:axId val="79849344"/>
         <c:scaling>
           <c:orientation val="minMax"/>
         </c:scaling>
@@ -1023,10 +1027,10 @@
             <a:pPr>
               <a:defRPr sz="2500"/>
             </a:pPr>
-            <a:endParaRPr lang="nl-NL"/>
+            <a:endParaRPr lang="en-US"/>
           </a:p>
         </c:txPr>
-        <c:crossAx val="2120512648"/>
+        <c:crossAx val="79850880"/>
         <c:crosses val="autoZero"/>
         <c:auto val="1"/>
         <c:lblAlgn val="ctr"/>
@@ -1034,7 +1038,7 @@
         <c:noMultiLvlLbl val="0"/>
       </c:catAx>
       <c:valAx>
-        <c:axId val="2120512648"/>
+        <c:axId val="79850880"/>
         <c:scaling>
           <c:orientation val="minMax"/>
           <c:max val="2500"/>
@@ -1058,19 +1062,21 @@
               </a:p>
             </c:rich>
           </c:tx>
+          <c:layout/>
           <c:overlay val="0"/>
         </c:title>
         <c:numFmt formatCode="General" sourceLinked="1"/>
         <c:majorTickMark val="out"/>
         <c:minorTickMark val="none"/>
         <c:tickLblPos val="nextTo"/>
-        <c:crossAx val="2120509560"/>
+        <c:crossAx val="79849344"/>
         <c:crosses val="autoZero"/>
         <c:crossBetween val="between"/>
       </c:valAx>
     </c:plotArea>
     <c:legend>
       <c:legendPos val="r"/>
+      <c:layout/>
       <c:overlay val="0"/>
       <c:txPr>
         <a:bodyPr/>
@@ -1079,7 +1085,7 @@
           <a:pPr>
             <a:defRPr sz="2500"/>
           </a:pPr>
-          <a:endParaRPr lang="nl-NL"/>
+          <a:endParaRPr lang="en-US"/>
         </a:p>
       </c:txPr>
     </c:legend>
@@ -1525,6 +1531,256 @@
     <p:extLst>
       <p:ext uri="{BB962C8B-B14F-4D97-AF65-F5344CB8AC3E}">
         <p14:creationId xmlns:p14="http://schemas.microsoft.com/office/powerpoint/2010/main" val="2907951117"/>
+      </p:ext>
+    </p:extLst>
+  </p:cSld>
+  <p:clrMapOvr>
+    <a:masterClrMapping/>
+  </p:clrMapOvr>
+</p:notes>
+</file>
+
+<file path=ppt/notesSlides/notesSlide2.xml><?xml version="1.0" encoding="utf-8"?>
+<p:notes xmlns:a="http://schemas.openxmlformats.org/drawingml/2006/main" xmlns:r="http://schemas.openxmlformats.org/officeDocument/2006/relationships" xmlns:p="http://schemas.openxmlformats.org/presentationml/2006/main">
+  <p:cSld>
+    <p:spTree>
+      <p:nvGrpSpPr>
+        <p:cNvPr id="1" name=""/>
+        <p:cNvGrpSpPr/>
+        <p:nvPr/>
+      </p:nvGrpSpPr>
+      <p:grpSpPr>
+        <a:xfrm>
+          <a:off x="0" y="0"/>
+          <a:ext cx="0" cy="0"/>
+          <a:chOff x="0" y="0"/>
+          <a:chExt cx="0" cy="0"/>
+        </a:xfrm>
+      </p:grpSpPr>
+      <p:sp>
+        <p:nvSpPr>
+          <p:cNvPr id="2" name="Tijdelijke aanduiding voor dia-afbeelding 1"/>
+          <p:cNvSpPr>
+            <a:spLocks noGrp="1" noRot="1" noChangeAspect="1"/>
+          </p:cNvSpPr>
+          <p:nvPr>
+            <p:ph type="sldImg"/>
+          </p:nvPr>
+        </p:nvSpPr>
+        <p:spPr/>
+      </p:sp>
+      <p:sp>
+        <p:nvSpPr>
+          <p:cNvPr id="3" name="Tijdelijke aanduiding voor notities 2"/>
+          <p:cNvSpPr>
+            <a:spLocks noGrp="1"/>
+          </p:cNvSpPr>
+          <p:nvPr>
+            <p:ph type="body" idx="1"/>
+          </p:nvPr>
+        </p:nvSpPr>
+        <p:spPr/>
+        <p:txBody>
+          <a:bodyPr/>
+          <a:lstStyle/>
+          <a:p>
+            <a:r>
+              <a:rPr lang="en-GB" dirty="0" smtClean="0"/>
+              <a:t>Runtime: 	Classic</a:t>
+            </a:r>
+            <a:r>
+              <a:rPr lang="en-GB" baseline="0" dirty="0" smtClean="0"/>
+              <a:t> </a:t>
+            </a:r>
+            <a:r>
+              <a:rPr lang="en-GB" baseline="0" dirty="0" err="1" smtClean="0"/>
+              <a:t>hillclimber</a:t>
+            </a:r>
+            <a:r>
+              <a:rPr lang="en-GB" baseline="0" dirty="0" smtClean="0"/>
+              <a:t> 1 </a:t>
+            </a:r>
+            <a:r>
+              <a:rPr lang="en-GB" baseline="0" dirty="0" err="1" smtClean="0"/>
+              <a:t>uur</a:t>
+            </a:r>
+            <a:r>
+              <a:rPr lang="en-GB" baseline="0" dirty="0" smtClean="0"/>
+              <a:t> </a:t>
+            </a:r>
+            <a:r>
+              <a:rPr lang="en-GB" baseline="0" dirty="0" err="1" smtClean="0"/>
+              <a:t>en</a:t>
+            </a:r>
+            <a:r>
+              <a:rPr lang="en-GB" baseline="0" dirty="0" smtClean="0"/>
+              <a:t> 1 </a:t>
+            </a:r>
+            <a:r>
+              <a:rPr lang="en-GB" baseline="0" dirty="0" err="1" smtClean="0"/>
+              <a:t>minuut</a:t>
+            </a:r>
+            <a:r>
+              <a:rPr lang="en-GB" baseline="0" dirty="0" smtClean="0"/>
+              <a:t>:</a:t>
+            </a:r>
+          </a:p>
+          <a:p>
+            <a:r>
+              <a:rPr lang="en-GB" baseline="0" dirty="0" smtClean="0"/>
+              <a:t>	Lowest </a:t>
+            </a:r>
+            <a:r>
+              <a:rPr lang="en-GB" baseline="0" dirty="0" err="1" smtClean="0"/>
+              <a:t>hillclimber</a:t>
+            </a:r>
+            <a:r>
+              <a:rPr lang="en-GB" baseline="0" dirty="0" smtClean="0"/>
+              <a:t> 47 </a:t>
+            </a:r>
+            <a:r>
+              <a:rPr lang="en-GB" baseline="0" dirty="0" err="1" smtClean="0"/>
+              <a:t>seconden</a:t>
+            </a:r>
+            <a:endParaRPr lang="en-GB" dirty="0"/>
+          </a:p>
+        </p:txBody>
+      </p:sp>
+      <p:sp>
+        <p:nvSpPr>
+          <p:cNvPr id="4" name="Tijdelijke aanduiding voor dianummer 3"/>
+          <p:cNvSpPr>
+            <a:spLocks noGrp="1"/>
+          </p:cNvSpPr>
+          <p:nvPr>
+            <p:ph type="sldNum" sz="quarter" idx="10"/>
+          </p:nvPr>
+        </p:nvSpPr>
+        <p:spPr/>
+        <p:txBody>
+          <a:bodyPr/>
+          <a:lstStyle/>
+          <a:p>
+            <a:fld id="{7D32374D-1F7B-493A-A3BF-229A4C1FF87C}" type="slidenum">
+              <a:rPr lang="nl-NL" smtClean="0"/>
+              <a:t>10</a:t>
+            </a:fld>
+            <a:endParaRPr lang="nl-NL"/>
+          </a:p>
+        </p:txBody>
+      </p:sp>
+    </p:spTree>
+    <p:extLst>
+      <p:ext uri="{BB962C8B-B14F-4D97-AF65-F5344CB8AC3E}">
+        <p14:creationId xmlns:p14="http://schemas.microsoft.com/office/powerpoint/2010/main" val="2631191214"/>
+      </p:ext>
+    </p:extLst>
+  </p:cSld>
+  <p:clrMapOvr>
+    <a:masterClrMapping/>
+  </p:clrMapOvr>
+</p:notes>
+</file>
+
+<file path=ppt/notesSlides/notesSlide3.xml><?xml version="1.0" encoding="utf-8"?>
+<p:notes xmlns:a="http://schemas.openxmlformats.org/drawingml/2006/main" xmlns:r="http://schemas.openxmlformats.org/officeDocument/2006/relationships" xmlns:p="http://schemas.openxmlformats.org/presentationml/2006/main">
+  <p:cSld>
+    <p:spTree>
+      <p:nvGrpSpPr>
+        <p:cNvPr id="1" name=""/>
+        <p:cNvGrpSpPr/>
+        <p:nvPr/>
+      </p:nvGrpSpPr>
+      <p:grpSpPr>
+        <a:xfrm>
+          <a:off x="0" y="0"/>
+          <a:ext cx="0" cy="0"/>
+          <a:chOff x="0" y="0"/>
+          <a:chExt cx="0" cy="0"/>
+        </a:xfrm>
+      </p:grpSpPr>
+      <p:sp>
+        <p:nvSpPr>
+          <p:cNvPr id="2" name="Tijdelijke aanduiding voor dia-afbeelding 1"/>
+          <p:cNvSpPr>
+            <a:spLocks noGrp="1" noRot="1" noChangeAspect="1"/>
+          </p:cNvSpPr>
+          <p:nvPr>
+            <p:ph type="sldImg"/>
+          </p:nvPr>
+        </p:nvSpPr>
+        <p:spPr/>
+      </p:sp>
+      <p:sp>
+        <p:nvSpPr>
+          <p:cNvPr id="3" name="Tijdelijke aanduiding voor notities 2"/>
+          <p:cNvSpPr>
+            <a:spLocks noGrp="1"/>
+          </p:cNvSpPr>
+          <p:nvPr>
+            <p:ph type="body" idx="1"/>
+          </p:nvPr>
+        </p:nvSpPr>
+        <p:spPr/>
+        <p:txBody>
+          <a:bodyPr/>
+          <a:lstStyle/>
+          <a:p>
+            <a:r>
+              <a:rPr lang="en-GB" dirty="0" err="1" smtClean="0"/>
+              <a:t>Prijsschema</a:t>
+            </a:r>
+            <a:r>
+              <a:rPr lang="en-GB" dirty="0" smtClean="0"/>
+              <a:t> 2</a:t>
+            </a:r>
+            <a:r>
+              <a:rPr lang="en-GB" baseline="0" dirty="0" smtClean="0"/>
+              <a:t> is </a:t>
+            </a:r>
+            <a:r>
+              <a:rPr lang="en-GB" baseline="0" dirty="0" err="1" smtClean="0"/>
+              <a:t>altijd</a:t>
+            </a:r>
+            <a:r>
+              <a:rPr lang="en-GB" baseline="0" dirty="0" smtClean="0"/>
+              <a:t> </a:t>
+            </a:r>
+            <a:r>
+              <a:rPr lang="en-GB" baseline="0" dirty="0" err="1" smtClean="0"/>
+              <a:t>duurder</a:t>
+            </a:r>
+            <a:endParaRPr lang="en-GB" dirty="0"/>
+          </a:p>
+        </p:txBody>
+      </p:sp>
+      <p:sp>
+        <p:nvSpPr>
+          <p:cNvPr id="4" name="Tijdelijke aanduiding voor dianummer 3"/>
+          <p:cNvSpPr>
+            <a:spLocks noGrp="1"/>
+          </p:cNvSpPr>
+          <p:nvPr>
+            <p:ph type="sldNum" sz="quarter" idx="10"/>
+          </p:nvPr>
+        </p:nvSpPr>
+        <p:spPr/>
+        <p:txBody>
+          <a:bodyPr/>
+          <a:lstStyle/>
+          <a:p>
+            <a:fld id="{7D32374D-1F7B-493A-A3BF-229A4C1FF87C}" type="slidenum">
+              <a:rPr lang="nl-NL" smtClean="0"/>
+              <a:t>11</a:t>
+            </a:fld>
+            <a:endParaRPr lang="nl-NL"/>
+          </a:p>
+        </p:txBody>
+      </p:sp>
+    </p:spTree>
+    <p:extLst>
+      <p:ext uri="{BB962C8B-B14F-4D97-AF65-F5344CB8AC3E}">
+        <p14:creationId xmlns:p14="http://schemas.microsoft.com/office/powerpoint/2010/main" val="2549883531"/>
       </p:ext>
     </p:extLst>
   </p:cSld>
@@ -4662,6 +4918,10 @@
             <a:pPr marL="0" indent="0">
               <a:buNone/>
             </a:pPr>
+            <a:r>
+              <a:rPr lang="nl-NL" dirty="0"/>
+              <a:t/>
+            </a:r>
             <a:br>
               <a:rPr lang="nl-NL" dirty="0"/>
             </a:br>
@@ -4678,7 +4938,7 @@
           <p:nvPr/>
         </p:nvPicPr>
         <p:blipFill>
-          <a:blip r:embed="rId2"/>
+          <a:blip r:embed="rId3"/>
           <a:stretch>
             <a:fillRect/>
           </a:stretch>
@@ -4749,7 +5009,7 @@
           <p:nvPr/>
         </p:nvPicPr>
         <p:blipFill>
-          <a:blip r:embed="rId3"/>
+          <a:blip r:embed="rId4"/>
           <a:stretch>
             <a:fillRect/>
           </a:stretch>
@@ -4827,7 +5087,7 @@
             <p:ph idx="1"/>
             <p:extLst>
               <p:ext uri="{D42A27DB-BD31-4B8C-83A1-F6EECF244321}">
-                <p14:modId xmlns:p14="http://schemas.microsoft.com/office/powerpoint/2010/main" val="2503130239"/>
+                <p14:modId xmlns:p14="http://schemas.microsoft.com/office/powerpoint/2010/main" val="44587606"/>
               </p:ext>
             </p:extLst>
           </p:nvPr>
@@ -4846,28 +5106,28 @@
                 <a:gridCol w="2628900">
                   <a:extLst>
                     <a:ext uri="{9D8B030D-6E8A-4147-A177-3AD203B41FA5}">
-                      <a16:colId xmlns:a16="http://schemas.microsoft.com/office/drawing/2014/main" val="3306067407"/>
+                      <a16:colId xmlns:a16="http://schemas.microsoft.com/office/drawing/2014/main" xmlns="" val="3306067407"/>
                     </a:ext>
                   </a:extLst>
                 </a:gridCol>
                 <a:gridCol w="2628900">
                   <a:extLst>
                     <a:ext uri="{9D8B030D-6E8A-4147-A177-3AD203B41FA5}">
-                      <a16:colId xmlns:a16="http://schemas.microsoft.com/office/drawing/2014/main" val="219582485"/>
+                      <a16:colId xmlns:a16="http://schemas.microsoft.com/office/drawing/2014/main" xmlns="" val="219582485"/>
                     </a:ext>
                   </a:extLst>
                 </a:gridCol>
                 <a:gridCol w="2628900">
                   <a:extLst>
                     <a:ext uri="{9D8B030D-6E8A-4147-A177-3AD203B41FA5}">
-                      <a16:colId xmlns:a16="http://schemas.microsoft.com/office/drawing/2014/main" val="397432196"/>
+                      <a16:colId xmlns:a16="http://schemas.microsoft.com/office/drawing/2014/main" xmlns="" val="397432196"/>
                     </a:ext>
                   </a:extLst>
                 </a:gridCol>
                 <a:gridCol w="2628900">
                   <a:extLst>
                     <a:ext uri="{9D8B030D-6E8A-4147-A177-3AD203B41FA5}">
-                      <a16:colId xmlns:a16="http://schemas.microsoft.com/office/drawing/2014/main" val="862735919"/>
+                      <a16:colId xmlns:a16="http://schemas.microsoft.com/office/drawing/2014/main" xmlns="" val="862735919"/>
                     </a:ext>
                   </a:extLst>
                 </a:gridCol>
@@ -4907,11 +5167,11 @@
                     <a:lstStyle/>
                     <a:p>
                       <a:r>
-                        <a:rPr lang="nl-NL" dirty="0"/>
-                        <a:t>Classis</a:t>
+                        <a:rPr lang="nl-NL" dirty="0" smtClean="0"/>
+                        <a:t>Classic</a:t>
                       </a:r>
                       <a:r>
-                        <a:rPr lang="nl-NL" baseline="0" dirty="0"/>
+                        <a:rPr lang="nl-NL" baseline="0" dirty="0" smtClean="0"/>
                         <a:t> </a:t>
                       </a:r>
                       <a:r>
@@ -4955,7 +5215,7 @@
                 </a:tc>
                 <a:extLst>
                   <a:ext uri="{0D108BD9-81ED-4DB2-BD59-A6C34878D82A}">
-                    <a16:rowId xmlns:a16="http://schemas.microsoft.com/office/drawing/2014/main" val="567372543"/>
+                    <a16:rowId xmlns:a16="http://schemas.microsoft.com/office/drawing/2014/main" xmlns="" val="567372543"/>
                   </a:ext>
                 </a:extLst>
               </a:tr>
@@ -5014,7 +5274,7 @@
                 </a:tc>
                 <a:extLst>
                   <a:ext uri="{0D108BD9-81ED-4DB2-BD59-A6C34878D82A}">
-                    <a16:rowId xmlns:a16="http://schemas.microsoft.com/office/drawing/2014/main" val="2299440935"/>
+                    <a16:rowId xmlns:a16="http://schemas.microsoft.com/office/drawing/2014/main" xmlns="" val="2299440935"/>
                   </a:ext>
                 </a:extLst>
               </a:tr>
@@ -5073,7 +5333,7 @@
                 </a:tc>
                 <a:extLst>
                   <a:ext uri="{0D108BD9-81ED-4DB2-BD59-A6C34878D82A}">
-                    <a16:rowId xmlns:a16="http://schemas.microsoft.com/office/drawing/2014/main" val="1632698347"/>
+                    <a16:rowId xmlns:a16="http://schemas.microsoft.com/office/drawing/2014/main" xmlns="" val="1632698347"/>
                   </a:ext>
                 </a:extLst>
               </a:tr>
@@ -5132,7 +5392,7 @@
                 </a:tc>
                 <a:extLst>
                   <a:ext uri="{0D108BD9-81ED-4DB2-BD59-A6C34878D82A}">
-                    <a16:rowId xmlns:a16="http://schemas.microsoft.com/office/drawing/2014/main" val="1473007227"/>
+                    <a16:rowId xmlns:a16="http://schemas.microsoft.com/office/drawing/2014/main" xmlns="" val="1473007227"/>
                   </a:ext>
                 </a:extLst>
               </a:tr>
@@ -5181,7 +5441,7 @@
           <p:nvPr>
             <p:extLst>
               <p:ext uri="{D42A27DB-BD31-4B8C-83A1-F6EECF244321}">
-                <p14:modId xmlns:p14="http://schemas.microsoft.com/office/powerpoint/2010/main" val="3211793033"/>
+                <p14:modId xmlns:p14="http://schemas.microsoft.com/office/powerpoint/2010/main" val="1210094171"/>
               </p:ext>
             </p:extLst>
           </p:nvPr>
@@ -5200,28 +5460,28 @@
                 <a:gridCol w="2628900">
                   <a:extLst>
                     <a:ext uri="{9D8B030D-6E8A-4147-A177-3AD203B41FA5}">
-                      <a16:colId xmlns:a16="http://schemas.microsoft.com/office/drawing/2014/main" val="3306067407"/>
+                      <a16:colId xmlns:a16="http://schemas.microsoft.com/office/drawing/2014/main" xmlns="" val="3306067407"/>
                     </a:ext>
                   </a:extLst>
                 </a:gridCol>
                 <a:gridCol w="2628900">
                   <a:extLst>
                     <a:ext uri="{9D8B030D-6E8A-4147-A177-3AD203B41FA5}">
-                      <a16:colId xmlns:a16="http://schemas.microsoft.com/office/drawing/2014/main" val="219582485"/>
+                      <a16:colId xmlns:a16="http://schemas.microsoft.com/office/drawing/2014/main" xmlns="" val="219582485"/>
                     </a:ext>
                   </a:extLst>
                 </a:gridCol>
                 <a:gridCol w="2628900">
                   <a:extLst>
                     <a:ext uri="{9D8B030D-6E8A-4147-A177-3AD203B41FA5}">
-                      <a16:colId xmlns:a16="http://schemas.microsoft.com/office/drawing/2014/main" val="397432196"/>
+                      <a16:colId xmlns:a16="http://schemas.microsoft.com/office/drawing/2014/main" xmlns="" val="397432196"/>
                     </a:ext>
                   </a:extLst>
                 </a:gridCol>
                 <a:gridCol w="2628900">
                   <a:extLst>
                     <a:ext uri="{9D8B030D-6E8A-4147-A177-3AD203B41FA5}">
-                      <a16:colId xmlns:a16="http://schemas.microsoft.com/office/drawing/2014/main" val="862735919"/>
+                      <a16:colId xmlns:a16="http://schemas.microsoft.com/office/drawing/2014/main" xmlns="" val="862735919"/>
                     </a:ext>
                   </a:extLst>
                 </a:gridCol>
@@ -5261,11 +5521,11 @@
                     <a:lstStyle/>
                     <a:p>
                       <a:r>
-                        <a:rPr lang="nl-NL" dirty="0"/>
-                        <a:t>Classis</a:t>
+                        <a:rPr lang="nl-NL" dirty="0" smtClean="0"/>
+                        <a:t>Classic</a:t>
                       </a:r>
                       <a:r>
-                        <a:rPr lang="nl-NL" baseline="0" dirty="0"/>
+                        <a:rPr lang="nl-NL" baseline="0" dirty="0" smtClean="0"/>
                         <a:t> </a:t>
                       </a:r>
                       <a:r>
@@ -5309,7 +5569,7 @@
                 </a:tc>
                 <a:extLst>
                   <a:ext uri="{0D108BD9-81ED-4DB2-BD59-A6C34878D82A}">
-                    <a16:rowId xmlns:a16="http://schemas.microsoft.com/office/drawing/2014/main" val="567372543"/>
+                    <a16:rowId xmlns:a16="http://schemas.microsoft.com/office/drawing/2014/main" xmlns="" val="567372543"/>
                   </a:ext>
                 </a:extLst>
               </a:tr>
@@ -5368,7 +5628,7 @@
                 </a:tc>
                 <a:extLst>
                   <a:ext uri="{0D108BD9-81ED-4DB2-BD59-A6C34878D82A}">
-                    <a16:rowId xmlns:a16="http://schemas.microsoft.com/office/drawing/2014/main" val="2299440935"/>
+                    <a16:rowId xmlns:a16="http://schemas.microsoft.com/office/drawing/2014/main" xmlns="" val="2299440935"/>
                   </a:ext>
                 </a:extLst>
               </a:tr>
@@ -5427,7 +5687,7 @@
                 </a:tc>
                 <a:extLst>
                   <a:ext uri="{0D108BD9-81ED-4DB2-BD59-A6C34878D82A}">
-                    <a16:rowId xmlns:a16="http://schemas.microsoft.com/office/drawing/2014/main" val="1632698347"/>
+                    <a16:rowId xmlns:a16="http://schemas.microsoft.com/office/drawing/2014/main" xmlns="" val="1632698347"/>
                   </a:ext>
                 </a:extLst>
               </a:tr>
@@ -5486,7 +5746,7 @@
                 </a:tc>
                 <a:extLst>
                   <a:ext uri="{0D108BD9-81ED-4DB2-BD59-A6C34878D82A}">
-                    <a16:rowId xmlns:a16="http://schemas.microsoft.com/office/drawing/2014/main" val="1473007227"/>
+                    <a16:rowId xmlns:a16="http://schemas.microsoft.com/office/drawing/2014/main" xmlns="" val="1473007227"/>
                   </a:ext>
                 </a:extLst>
               </a:tr>
@@ -5585,6 +5845,10 @@
             <a:pPr marL="0" indent="0">
               <a:buNone/>
             </a:pPr>
+            <a:r>
+              <a:rPr lang="nl-NL" dirty="0"/>
+              <a:t/>
+            </a:r>
             <a:br>
               <a:rPr lang="nl-NL" dirty="0"/>
             </a:br>
@@ -5680,6 +5944,736 @@
             <p:ph type="title"/>
           </p:nvPr>
         </p:nvSpPr>
+        <p:spPr>
+          <a:xfrm>
+            <a:off x="6596743" y="1127125"/>
+            <a:ext cx="4735286" cy="1325563"/>
+          </a:xfrm>
+        </p:spPr>
+        <p:txBody>
+          <a:bodyPr/>
+          <a:lstStyle/>
+          <a:p>
+            <a:r>
+              <a:rPr lang="en-GB" dirty="0" err="1" smtClean="0"/>
+              <a:t>Visualisatie</a:t>
+            </a:r>
+            <a:r>
+              <a:rPr lang="en-GB" dirty="0" smtClean="0"/>
+              <a:t> </a:t>
+            </a:r>
+            <a:r>
+              <a:rPr lang="en-GB" dirty="0" err="1" smtClean="0"/>
+              <a:t>kaart</a:t>
+            </a:r>
+            <a:endParaRPr lang="en-GB" dirty="0"/>
+          </a:p>
+        </p:txBody>
+      </p:sp>
+      <p:sp>
+        <p:nvSpPr>
+          <p:cNvPr id="4" name="Tekstvak 3"/>
+          <p:cNvSpPr txBox="1"/>
+          <p:nvPr/>
+        </p:nvSpPr>
+        <p:spPr>
+          <a:xfrm>
+            <a:off x="206829" y="4310743"/>
+            <a:ext cx="2281394" cy="369332"/>
+          </a:xfrm>
+          <a:prstGeom prst="rect">
+            <a:avLst/>
+          </a:prstGeom>
+          <a:noFill/>
+        </p:spPr>
+        <p:txBody>
+          <a:bodyPr wrap="none" rtlCol="0">
+            <a:spAutoFit/>
+          </a:bodyPr>
+          <a:lstStyle/>
+          <a:p>
+            <a:r>
+              <a:rPr lang="en-GB" dirty="0" smtClean="0"/>
+              <a:t>Random sample: 2554</a:t>
+            </a:r>
+            <a:endParaRPr lang="en-GB" dirty="0"/>
+          </a:p>
+        </p:txBody>
+      </p:sp>
+      <p:sp>
+        <p:nvSpPr>
+          <p:cNvPr id="5" name="Tekstvak 4"/>
+          <p:cNvSpPr txBox="1"/>
+          <p:nvPr/>
+        </p:nvSpPr>
+        <p:spPr>
+          <a:xfrm>
+            <a:off x="8212251" y="2689555"/>
+            <a:ext cx="2735942" cy="369332"/>
+          </a:xfrm>
+          <a:prstGeom prst="rect">
+            <a:avLst/>
+          </a:prstGeom>
+          <a:noFill/>
+        </p:spPr>
+        <p:txBody>
+          <a:bodyPr wrap="none" rtlCol="0">
+            <a:spAutoFit/>
+          </a:bodyPr>
+          <a:lstStyle/>
+          <a:p>
+            <a:r>
+              <a:rPr lang="en-GB" dirty="0" smtClean="0"/>
+              <a:t>Na lowest </a:t>
+            </a:r>
+            <a:r>
+              <a:rPr lang="en-GB" dirty="0" err="1" smtClean="0"/>
+              <a:t>hillclimber</a:t>
+            </a:r>
+            <a:r>
+              <a:rPr lang="en-GB" dirty="0" smtClean="0"/>
+              <a:t>: 2034</a:t>
+            </a:r>
+            <a:endParaRPr lang="en-GB" dirty="0"/>
+          </a:p>
+        </p:txBody>
+      </p:sp>
+      <p:pic>
+        <p:nvPicPr>
+          <p:cNvPr id="1028" name="Picture 4"/>
+          <p:cNvPicPr>
+            <a:picLocks noChangeAspect="1" noChangeArrowheads="1"/>
+          </p:cNvPicPr>
+          <p:nvPr/>
+        </p:nvPicPr>
+        <p:blipFill>
+          <a:blip r:embed="rId2">
+            <a:extLst>
+              <a:ext uri="{28A0092B-C50C-407E-A947-70E740481C1C}">
+                <a14:useLocalDpi xmlns:a14="http://schemas.microsoft.com/office/drawing/2010/main" val="0"/>
+              </a:ext>
+            </a:extLst>
+          </a:blip>
+          <a:srcRect/>
+          <a:stretch>
+            <a:fillRect/>
+          </a:stretch>
+        </p:blipFill>
+        <p:spPr bwMode="auto">
+          <a:xfrm>
+            <a:off x="206829" y="484754"/>
+            <a:ext cx="6209223" cy="3640932"/>
+          </a:xfrm>
+          <a:prstGeom prst="rect">
+            <a:avLst/>
+          </a:prstGeom>
+          <a:noFill/>
+          <a:ln>
+            <a:noFill/>
+          </a:ln>
+          <a:extLst>
+            <a:ext uri="{909E8E84-426E-40DD-AFC4-6F175D3DCCD1}">
+              <a14:hiddenFill xmlns:a14="http://schemas.microsoft.com/office/drawing/2010/main">
+                <a:solidFill>
+                  <a:schemeClr val="accent1"/>
+                </a:solidFill>
+              </a14:hiddenFill>
+            </a:ext>
+            <a:ext uri="{91240B29-F687-4F45-9708-019B960494DF}">
+              <a14:hiddenLine xmlns:a14="http://schemas.microsoft.com/office/drawing/2010/main" w="9525">
+                <a:solidFill>
+                  <a:schemeClr val="tx1"/>
+                </a:solidFill>
+                <a:miter lim="800000"/>
+                <a:headEnd/>
+                <a:tailEnd/>
+              </a14:hiddenLine>
+            </a:ext>
+          </a:extLst>
+        </p:spPr>
+      </p:pic>
+      <p:pic>
+        <p:nvPicPr>
+          <p:cNvPr id="1029" name="Picture 5"/>
+          <p:cNvPicPr>
+            <a:picLocks noChangeAspect="1" noChangeArrowheads="1"/>
+          </p:cNvPicPr>
+          <p:nvPr/>
+        </p:nvPicPr>
+        <p:blipFill>
+          <a:blip r:embed="rId3">
+            <a:extLst>
+              <a:ext uri="{28A0092B-C50C-407E-A947-70E740481C1C}">
+                <a14:useLocalDpi xmlns:a14="http://schemas.microsoft.com/office/drawing/2010/main" val="0"/>
+              </a:ext>
+            </a:extLst>
+          </a:blip>
+          <a:srcRect/>
+          <a:stretch>
+            <a:fillRect/>
+          </a:stretch>
+        </p:blipFill>
+        <p:spPr bwMode="auto">
+          <a:xfrm>
+            <a:off x="5571722" y="3058887"/>
+            <a:ext cx="6620278" cy="3808638"/>
+          </a:xfrm>
+          <a:prstGeom prst="rect">
+            <a:avLst/>
+          </a:prstGeom>
+          <a:noFill/>
+          <a:ln>
+            <a:noFill/>
+          </a:ln>
+          <a:extLst>
+            <a:ext uri="{909E8E84-426E-40DD-AFC4-6F175D3DCCD1}">
+              <a14:hiddenFill xmlns:a14="http://schemas.microsoft.com/office/drawing/2010/main">
+                <a:solidFill>
+                  <a:schemeClr val="accent1"/>
+                </a:solidFill>
+              </a14:hiddenFill>
+            </a:ext>
+            <a:ext uri="{91240B29-F687-4F45-9708-019B960494DF}">
+              <a14:hiddenLine xmlns:a14="http://schemas.microsoft.com/office/drawing/2010/main" w="9525">
+                <a:solidFill>
+                  <a:schemeClr val="tx1"/>
+                </a:solidFill>
+                <a:miter lim="800000"/>
+                <a:headEnd/>
+                <a:tailEnd/>
+              </a14:hiddenLine>
+            </a:ext>
+          </a:extLst>
+        </p:spPr>
+      </p:pic>
+    </p:spTree>
+    <p:extLst>
+      <p:ext uri="{BB962C8B-B14F-4D97-AF65-F5344CB8AC3E}">
+        <p14:creationId xmlns:p14="http://schemas.microsoft.com/office/powerpoint/2010/main" val="3427677186"/>
+      </p:ext>
+    </p:extLst>
+  </p:cSld>
+  <p:clrMapOvr>
+    <a:masterClrMapping/>
+  </p:clrMapOvr>
+</p:sld>
+</file>
+
+<file path=ppt/slides/slide14.xml><?xml version="1.0" encoding="utf-8"?>
+<p:sld xmlns:a="http://schemas.openxmlformats.org/drawingml/2006/main" xmlns:r="http://schemas.openxmlformats.org/officeDocument/2006/relationships" xmlns:p="http://schemas.openxmlformats.org/presentationml/2006/main">
+  <p:cSld>
+    <p:spTree>
+      <p:nvGrpSpPr>
+        <p:cNvPr id="1" name=""/>
+        <p:cNvGrpSpPr/>
+        <p:nvPr/>
+      </p:nvGrpSpPr>
+      <p:grpSpPr>
+        <a:xfrm>
+          <a:off x="0" y="0"/>
+          <a:ext cx="0" cy="0"/>
+          <a:chOff x="0" y="0"/>
+          <a:chExt cx="0" cy="0"/>
+        </a:xfrm>
+      </p:grpSpPr>
+      <p:sp>
+        <p:nvSpPr>
+          <p:cNvPr id="2" name="Titel 1"/>
+          <p:cNvSpPr>
+            <a:spLocks noGrp="1"/>
+          </p:cNvSpPr>
+          <p:nvPr>
+            <p:ph type="title"/>
+          </p:nvPr>
+        </p:nvSpPr>
+        <p:spPr/>
+        <p:txBody>
+          <a:bodyPr/>
+          <a:lstStyle/>
+          <a:p>
+            <a:r>
+              <a:rPr lang="en-GB" dirty="0" err="1" smtClean="0"/>
+              <a:t>Kaart</a:t>
+            </a:r>
+            <a:r>
+              <a:rPr lang="en-GB" dirty="0" smtClean="0"/>
+              <a:t> </a:t>
+            </a:r>
+            <a:r>
+              <a:rPr lang="en-GB" dirty="0" err="1" smtClean="0"/>
+              <a:t>opdelen</a:t>
+            </a:r>
+            <a:r>
+              <a:rPr lang="en-GB" dirty="0" smtClean="0"/>
+              <a:t> in </a:t>
+            </a:r>
+            <a:r>
+              <a:rPr lang="en-GB" dirty="0" err="1" smtClean="0"/>
+              <a:t>kleinere</a:t>
+            </a:r>
+            <a:r>
+              <a:rPr lang="en-GB" dirty="0" smtClean="0"/>
+              <a:t> </a:t>
+            </a:r>
+            <a:r>
+              <a:rPr lang="en-GB" dirty="0" err="1" smtClean="0"/>
+              <a:t>stukken</a:t>
+            </a:r>
+            <a:endParaRPr lang="en-GB" dirty="0"/>
+          </a:p>
+        </p:txBody>
+      </p:sp>
+      <p:sp>
+        <p:nvSpPr>
+          <p:cNvPr id="3" name="Tijdelijke aanduiding voor inhoud 2"/>
+          <p:cNvSpPr>
+            <a:spLocks noGrp="1"/>
+          </p:cNvSpPr>
+          <p:nvPr>
+            <p:ph idx="1"/>
+          </p:nvPr>
+        </p:nvSpPr>
+        <p:spPr>
+          <a:xfrm>
+            <a:off x="838200" y="1825624"/>
+            <a:ext cx="10515600" cy="4912633"/>
+          </a:xfrm>
+        </p:spPr>
+        <p:txBody>
+          <a:bodyPr>
+            <a:normAutofit/>
+          </a:bodyPr>
+          <a:lstStyle/>
+          <a:p>
+            <a:endParaRPr lang="en-GB" dirty="0" smtClean="0"/>
+          </a:p>
+          <a:p>
+            <a:endParaRPr lang="en-GB" dirty="0"/>
+          </a:p>
+          <a:p>
+            <a:endParaRPr lang="en-GB" dirty="0" smtClean="0"/>
+          </a:p>
+          <a:p>
+            <a:endParaRPr lang="en-GB" dirty="0"/>
+          </a:p>
+          <a:p>
+            <a:endParaRPr lang="en-GB" dirty="0" smtClean="0"/>
+          </a:p>
+          <a:p>
+            <a:endParaRPr lang="en-GB" dirty="0"/>
+          </a:p>
+          <a:p>
+            <a:endParaRPr lang="en-GB" dirty="0" smtClean="0"/>
+          </a:p>
+          <a:p>
+            <a:endParaRPr lang="en-GB" dirty="0"/>
+          </a:p>
+          <a:p>
+            <a:r>
+              <a:rPr lang="en-GB" dirty="0" err="1" smtClean="0"/>
+              <a:t>Nieuwe</a:t>
+            </a:r>
+            <a:r>
+              <a:rPr lang="en-GB" dirty="0" smtClean="0"/>
+              <a:t> </a:t>
+            </a:r>
+            <a:r>
+              <a:rPr lang="en-GB" dirty="0" err="1" smtClean="0"/>
+              <a:t>toestandsruimte</a:t>
+            </a:r>
+            <a:r>
+              <a:rPr lang="en-GB" dirty="0" smtClean="0"/>
+              <a:t>: 7,49*10^38</a:t>
+            </a:r>
+            <a:endParaRPr lang="en-GB" dirty="0"/>
+          </a:p>
+        </p:txBody>
+      </p:sp>
+      <p:sp>
+        <p:nvSpPr>
+          <p:cNvPr id="5" name="Tekstvak 4"/>
+          <p:cNvSpPr txBox="1"/>
+          <p:nvPr/>
+        </p:nvSpPr>
+        <p:spPr>
+          <a:xfrm>
+            <a:off x="8817429" y="1698171"/>
+            <a:ext cx="2930674" cy="2031325"/>
+          </a:xfrm>
+          <a:prstGeom prst="rect">
+            <a:avLst/>
+          </a:prstGeom>
+          <a:noFill/>
+        </p:spPr>
+        <p:txBody>
+          <a:bodyPr wrap="none" rtlCol="0">
+            <a:spAutoFit/>
+          </a:bodyPr>
+          <a:lstStyle/>
+          <a:p>
+            <a:pPr marL="285750" indent="-285750">
+              <a:buFont typeface="Arial" panose="020B0604020202020204" pitchFamily="34" charset="0"/>
+              <a:buChar char="•"/>
+            </a:pPr>
+            <a:r>
+              <a:rPr lang="en-GB" dirty="0" smtClean="0"/>
+              <a:t>Brute-force </a:t>
+            </a:r>
+            <a:r>
+              <a:rPr lang="en-GB" dirty="0" err="1" smtClean="0"/>
+              <a:t>kleine</a:t>
+            </a:r>
+            <a:r>
+              <a:rPr lang="en-GB" dirty="0" smtClean="0"/>
+              <a:t> </a:t>
+            </a:r>
+            <a:r>
+              <a:rPr lang="en-GB" dirty="0" err="1" smtClean="0"/>
+              <a:t>stukken</a:t>
+            </a:r>
+            <a:endParaRPr lang="en-GB" dirty="0" smtClean="0"/>
+          </a:p>
+          <a:p>
+            <a:pPr marL="285750" indent="-285750">
+              <a:buFont typeface="Arial" panose="020B0604020202020204" pitchFamily="34" charset="0"/>
+              <a:buChar char="•"/>
+            </a:pPr>
+            <a:endParaRPr lang="en-GB" dirty="0"/>
+          </a:p>
+          <a:p>
+            <a:pPr marL="285750" indent="-285750">
+              <a:buFont typeface="Arial" panose="020B0604020202020204" pitchFamily="34" charset="0"/>
+              <a:buChar char="•"/>
+            </a:pPr>
+            <a:r>
+              <a:rPr lang="en-GB" dirty="0" err="1" smtClean="0"/>
+              <a:t>Kies</a:t>
+            </a:r>
+            <a:r>
+              <a:rPr lang="en-GB" dirty="0" smtClean="0"/>
+              <a:t> de </a:t>
+            </a:r>
+            <a:r>
+              <a:rPr lang="en-GB" dirty="0" err="1" smtClean="0"/>
+              <a:t>oplossingen</a:t>
+            </a:r>
+            <a:r>
+              <a:rPr lang="en-GB" dirty="0" smtClean="0"/>
+              <a:t> die </a:t>
+            </a:r>
+            <a:br>
+              <a:rPr lang="en-GB" dirty="0" smtClean="0"/>
+            </a:br>
+            <a:r>
+              <a:rPr lang="en-GB" dirty="0" smtClean="0"/>
+              <a:t>met </a:t>
+            </a:r>
+            <a:r>
+              <a:rPr lang="en-GB" dirty="0" err="1" smtClean="0"/>
+              <a:t>elkaar</a:t>
+            </a:r>
+            <a:r>
+              <a:rPr lang="en-GB" dirty="0" smtClean="0"/>
+              <a:t> </a:t>
+            </a:r>
+            <a:r>
+              <a:rPr lang="en-GB" dirty="0" err="1" smtClean="0"/>
+              <a:t>passen</a:t>
+            </a:r>
+            <a:r>
+              <a:rPr lang="en-GB" dirty="0" smtClean="0"/>
+              <a:t> </a:t>
+            </a:r>
+          </a:p>
+          <a:p>
+            <a:pPr marL="285750" indent="-285750">
+              <a:buFont typeface="Arial" panose="020B0604020202020204" pitchFamily="34" charset="0"/>
+              <a:buChar char="•"/>
+            </a:pPr>
+            <a:endParaRPr lang="en-GB" dirty="0"/>
+          </a:p>
+          <a:p>
+            <a:pPr marL="285750" indent="-285750">
+              <a:buFont typeface="Arial" panose="020B0604020202020204" pitchFamily="34" charset="0"/>
+              <a:buChar char="•"/>
+            </a:pPr>
+            <a:r>
+              <a:rPr lang="en-GB" dirty="0" err="1" smtClean="0"/>
+              <a:t>Nadeel</a:t>
+            </a:r>
+            <a:r>
+              <a:rPr lang="en-GB" dirty="0" smtClean="0"/>
+              <a:t>:  </a:t>
+            </a:r>
+            <a:r>
+              <a:rPr lang="en-GB" dirty="0" err="1" smtClean="0"/>
+              <a:t>Niet</a:t>
+            </a:r>
+            <a:r>
+              <a:rPr lang="en-GB" dirty="0" smtClean="0"/>
+              <a:t> </a:t>
+            </a:r>
+            <a:r>
+              <a:rPr lang="en-GB" dirty="0" err="1" smtClean="0"/>
+              <a:t>toepasbaar</a:t>
+            </a:r>
+            <a:r>
+              <a:rPr lang="en-GB" dirty="0"/>
+              <a:t/>
+            </a:r>
+            <a:br>
+              <a:rPr lang="en-GB" dirty="0"/>
+            </a:br>
+            <a:r>
+              <a:rPr lang="en-GB" dirty="0" smtClean="0"/>
+              <a:t>op </a:t>
+            </a:r>
+            <a:r>
+              <a:rPr lang="en-GB" dirty="0" err="1" smtClean="0"/>
+              <a:t>alle</a:t>
+            </a:r>
+            <a:r>
+              <a:rPr lang="en-GB" dirty="0" smtClean="0"/>
+              <a:t> </a:t>
+            </a:r>
+            <a:r>
+              <a:rPr lang="en-GB" dirty="0" err="1" smtClean="0"/>
+              <a:t>kaarten</a:t>
+            </a:r>
+            <a:endParaRPr lang="en-GB" dirty="0" smtClean="0"/>
+          </a:p>
+        </p:txBody>
+      </p:sp>
+      <p:pic>
+        <p:nvPicPr>
+          <p:cNvPr id="3075" name="Picture 3"/>
+          <p:cNvPicPr>
+            <a:picLocks noChangeAspect="1" noChangeArrowheads="1"/>
+          </p:cNvPicPr>
+          <p:nvPr/>
+        </p:nvPicPr>
+        <p:blipFill>
+          <a:blip r:embed="rId2">
+            <a:extLst>
+              <a:ext uri="{28A0092B-C50C-407E-A947-70E740481C1C}">
+                <a14:useLocalDpi xmlns:a14="http://schemas.microsoft.com/office/drawing/2010/main" val="0"/>
+              </a:ext>
+            </a:extLst>
+          </a:blip>
+          <a:srcRect/>
+          <a:stretch>
+            <a:fillRect/>
+          </a:stretch>
+        </p:blipFill>
+        <p:spPr bwMode="auto">
+          <a:xfrm>
+            <a:off x="829371" y="1382750"/>
+            <a:ext cx="7611951" cy="4552485"/>
+          </a:xfrm>
+          <a:prstGeom prst="rect">
+            <a:avLst/>
+          </a:prstGeom>
+          <a:noFill/>
+          <a:ln>
+            <a:noFill/>
+          </a:ln>
+          <a:extLst>
+            <a:ext uri="{909E8E84-426E-40DD-AFC4-6F175D3DCCD1}">
+              <a14:hiddenFill xmlns:a14="http://schemas.microsoft.com/office/drawing/2010/main">
+                <a:solidFill>
+                  <a:schemeClr val="accent1"/>
+                </a:solidFill>
+              </a14:hiddenFill>
+            </a:ext>
+            <a:ext uri="{91240B29-F687-4F45-9708-019B960494DF}">
+              <a14:hiddenLine xmlns:a14="http://schemas.microsoft.com/office/drawing/2010/main" w="9525">
+                <a:solidFill>
+                  <a:schemeClr val="tx1"/>
+                </a:solidFill>
+                <a:miter lim="800000"/>
+                <a:headEnd/>
+                <a:tailEnd/>
+              </a14:hiddenLine>
+            </a:ext>
+          </a:extLst>
+        </p:spPr>
+      </p:pic>
+    </p:spTree>
+    <p:extLst>
+      <p:ext uri="{BB962C8B-B14F-4D97-AF65-F5344CB8AC3E}">
+        <p14:creationId xmlns:p14="http://schemas.microsoft.com/office/powerpoint/2010/main" val="3165970182"/>
+      </p:ext>
+    </p:extLst>
+  </p:cSld>
+  <p:clrMapOvr>
+    <a:masterClrMapping/>
+  </p:clrMapOvr>
+</p:sld>
+</file>
+
+<file path=ppt/slides/slide15.xml><?xml version="1.0" encoding="utf-8"?>
+<p:sld xmlns:a="http://schemas.openxmlformats.org/drawingml/2006/main" xmlns:r="http://schemas.openxmlformats.org/officeDocument/2006/relationships" xmlns:p="http://schemas.openxmlformats.org/presentationml/2006/main">
+  <p:cSld>
+    <p:spTree>
+      <p:nvGrpSpPr>
+        <p:cNvPr id="1" name=""/>
+        <p:cNvGrpSpPr/>
+        <p:nvPr/>
+      </p:nvGrpSpPr>
+      <p:grpSpPr>
+        <a:xfrm>
+          <a:off x="0" y="0"/>
+          <a:ext cx="0" cy="0"/>
+          <a:chOff x="0" y="0"/>
+          <a:chExt cx="0" cy="0"/>
+        </a:xfrm>
+      </p:grpSpPr>
+      <p:sp>
+        <p:nvSpPr>
+          <p:cNvPr id="2" name="Titel 1"/>
+          <p:cNvSpPr>
+            <a:spLocks noGrp="1"/>
+          </p:cNvSpPr>
+          <p:nvPr>
+            <p:ph type="title"/>
+          </p:nvPr>
+        </p:nvSpPr>
+        <p:spPr>
+          <a:xfrm>
+            <a:off x="816429" y="386896"/>
+            <a:ext cx="10515600" cy="1325563"/>
+          </a:xfrm>
+        </p:spPr>
+        <p:txBody>
+          <a:bodyPr/>
+          <a:lstStyle/>
+          <a:p>
+            <a:pPr algn="ctr"/>
+            <a:r>
+              <a:rPr lang="en-GB" dirty="0" err="1" smtClean="0"/>
+              <a:t>Prijs</a:t>
+            </a:r>
+            <a:r>
+              <a:rPr lang="en-GB" dirty="0" smtClean="0"/>
+              <a:t>: 1936</a:t>
+            </a:r>
+            <a:endParaRPr lang="en-GB" dirty="0"/>
+          </a:p>
+        </p:txBody>
+      </p:sp>
+      <p:sp>
+        <p:nvSpPr>
+          <p:cNvPr id="4" name="Tijdelijke aanduiding voor inhoud 3"/>
+          <p:cNvSpPr>
+            <a:spLocks noGrp="1"/>
+          </p:cNvSpPr>
+          <p:nvPr>
+            <p:ph idx="1"/>
+          </p:nvPr>
+        </p:nvSpPr>
+        <p:spPr/>
+        <p:txBody>
+          <a:bodyPr/>
+          <a:lstStyle/>
+          <a:p>
+            <a:endParaRPr lang="en-GB"/>
+          </a:p>
+        </p:txBody>
+      </p:sp>
+      <p:pic>
+        <p:nvPicPr>
+          <p:cNvPr id="2052" name="Picture 4"/>
+          <p:cNvPicPr>
+            <a:picLocks noChangeAspect="1" noChangeArrowheads="1"/>
+          </p:cNvPicPr>
+          <p:nvPr/>
+        </p:nvPicPr>
+        <p:blipFill>
+          <a:blip r:embed="rId2">
+            <a:extLst>
+              <a:ext uri="{28A0092B-C50C-407E-A947-70E740481C1C}">
+                <a14:useLocalDpi xmlns:a14="http://schemas.microsoft.com/office/drawing/2010/main" val="0"/>
+              </a:ext>
+            </a:extLst>
+          </a:blip>
+          <a:srcRect/>
+          <a:stretch>
+            <a:fillRect/>
+          </a:stretch>
+        </p:blipFill>
+        <p:spPr bwMode="auto">
+          <a:xfrm>
+            <a:off x="1694090" y="1307471"/>
+            <a:ext cx="8865054" cy="5321925"/>
+          </a:xfrm>
+          <a:prstGeom prst="rect">
+            <a:avLst/>
+          </a:prstGeom>
+          <a:noFill/>
+          <a:ln>
+            <a:noFill/>
+          </a:ln>
+          <a:extLst>
+            <a:ext uri="{909E8E84-426E-40DD-AFC4-6F175D3DCCD1}">
+              <a14:hiddenFill xmlns:a14="http://schemas.microsoft.com/office/drawing/2010/main">
+                <a:solidFill>
+                  <a:schemeClr val="accent1"/>
+                </a:solidFill>
+              </a14:hiddenFill>
+            </a:ext>
+            <a:ext uri="{91240B29-F687-4F45-9708-019B960494DF}">
+              <a14:hiddenLine xmlns:a14="http://schemas.microsoft.com/office/drawing/2010/main" w="9525">
+                <a:solidFill>
+                  <a:schemeClr val="tx1"/>
+                </a:solidFill>
+                <a:miter lim="800000"/>
+                <a:headEnd/>
+                <a:tailEnd/>
+              </a14:hiddenLine>
+            </a:ext>
+          </a:extLst>
+        </p:spPr>
+      </p:pic>
+    </p:spTree>
+    <p:extLst>
+      <p:ext uri="{BB962C8B-B14F-4D97-AF65-F5344CB8AC3E}">
+        <p14:creationId xmlns:p14="http://schemas.microsoft.com/office/powerpoint/2010/main" val="3108526897"/>
+      </p:ext>
+    </p:extLst>
+  </p:cSld>
+  <p:clrMapOvr>
+    <a:masterClrMapping/>
+  </p:clrMapOvr>
+</p:sld>
+</file>
+
+<file path=ppt/slides/slide16.xml><?xml version="1.0" encoding="utf-8"?>
+<p:sld xmlns:a="http://schemas.openxmlformats.org/drawingml/2006/main" xmlns:r="http://schemas.openxmlformats.org/officeDocument/2006/relationships" xmlns:p="http://schemas.openxmlformats.org/presentationml/2006/main">
+  <p:cSld>
+    <p:spTree>
+      <p:nvGrpSpPr>
+        <p:cNvPr id="1" name=""/>
+        <p:cNvGrpSpPr/>
+        <p:nvPr/>
+      </p:nvGrpSpPr>
+      <p:grpSpPr>
+        <a:xfrm>
+          <a:off x="0" y="0"/>
+          <a:ext cx="0" cy="0"/>
+          <a:chOff x="0" y="0"/>
+          <a:chExt cx="0" cy="0"/>
+        </a:xfrm>
+      </p:grpSpPr>
+      <p:sp>
+        <p:nvSpPr>
+          <p:cNvPr id="2" name="Titel 1"/>
+          <p:cNvSpPr>
+            <a:spLocks noGrp="1"/>
+          </p:cNvSpPr>
+          <p:nvPr>
+            <p:ph type="title"/>
+          </p:nvPr>
+        </p:nvSpPr>
         <p:spPr/>
         <p:txBody>
           <a:bodyPr/>
@@ -5850,7 +6844,7 @@
 </p:sld>
 </file>
 
-<file path=ppt/slides/slide14.xml><?xml version="1.0" encoding="utf-8"?>
+<file path=ppt/slides/slide17.xml><?xml version="1.0" encoding="utf-8"?>
 <p:sld xmlns:a="http://schemas.openxmlformats.org/drawingml/2006/main" xmlns:r="http://schemas.openxmlformats.org/officeDocument/2006/relationships" xmlns:p="http://schemas.openxmlformats.org/presentationml/2006/main">
   <p:cSld>
     <p:spTree>
@@ -5867,60 +6861,6 @@
           <a:chExt cx="0" cy="0"/>
         </a:xfrm>
       </p:grpSpPr>
-      <p:pic>
-        <p:nvPicPr>
-          <p:cNvPr id="4" name="Picture 3"/>
-          <p:cNvPicPr>
-            <a:picLocks noChangeAspect="1"/>
-          </p:cNvPicPr>
-          <p:nvPr/>
-        </p:nvPicPr>
-        <p:blipFill>
-          <a:blip r:embed="rId2"/>
-          <a:stretch>
-            <a:fillRect/>
-          </a:stretch>
-        </p:blipFill>
-        <p:spPr>
-          <a:xfrm>
-            <a:off x="838200" y="365125"/>
-            <a:ext cx="10431888" cy="6119206"/>
-          </a:xfrm>
-          <a:prstGeom prst="rect">
-            <a:avLst/>
-          </a:prstGeom>
-        </p:spPr>
-      </p:pic>
-    </p:spTree>
-    <p:extLst>
-      <p:ext uri="{BB962C8B-B14F-4D97-AF65-F5344CB8AC3E}">
-        <p14:creationId xmlns:p14="http://schemas.microsoft.com/office/powerpoint/2010/main" val="1926178226"/>
-      </p:ext>
-    </p:extLst>
-  </p:cSld>
-  <p:clrMapOvr>
-    <a:masterClrMapping/>
-  </p:clrMapOvr>
-</p:sld>
-</file>
-
-<file path=ppt/slides/slide15.xml><?xml version="1.0" encoding="utf-8"?>
-<p:sld xmlns:a="http://schemas.openxmlformats.org/drawingml/2006/main" xmlns:r="http://schemas.openxmlformats.org/officeDocument/2006/relationships" xmlns:p="http://schemas.openxmlformats.org/presentationml/2006/main">
-  <p:cSld>
-    <p:spTree>
-      <p:nvGrpSpPr>
-        <p:cNvPr id="1" name=""/>
-        <p:cNvGrpSpPr/>
-        <p:nvPr/>
-      </p:nvGrpSpPr>
-      <p:grpSpPr>
-        <a:xfrm>
-          <a:off x="0" y="0"/>
-          <a:ext cx="0" cy="0"/>
-          <a:chOff x="0" y="0"/>
-          <a:chExt cx="0" cy="0"/>
-        </a:xfrm>
-      </p:grpSpPr>
       <p:sp>
         <p:nvSpPr>
           <p:cNvPr id="3" name="Tijdelijke aanduiding voor inhoud 2"/>
@@ -5953,6 +6893,10 @@
             <a:pPr marL="0" indent="0">
               <a:buNone/>
             </a:pPr>
+            <a:r>
+              <a:rPr lang="nl-NL" dirty="0"/>
+              <a:t/>
+            </a:r>
             <a:br>
               <a:rPr lang="nl-NL" dirty="0"/>
             </a:br>
@@ -7061,6 +8005,10 @@
             <a:pPr marL="0" indent="0">
               <a:buNone/>
             </a:pPr>
+            <a:r>
+              <a:rPr lang="nl-NL" dirty="0"/>
+              <a:t/>
+            </a:r>
             <a:br>
               <a:rPr lang="nl-NL" dirty="0"/>
             </a:br>
@@ -7154,6 +8102,10 @@
             <a:pPr marL="0" indent="0">
               <a:buNone/>
             </a:pPr>
+            <a:r>
+              <a:rPr lang="nl-NL" dirty="0"/>
+              <a:t/>
+            </a:r>
             <a:br>
               <a:rPr lang="nl-NL" dirty="0"/>
             </a:br>
@@ -7336,20 +8288,59 @@
             </a:pPr>
             <a:r>
               <a:rPr lang="nl-NL" dirty="0"/>
-              <a:t> 7^82 = 1.99*10^69</a:t>
-            </a:r>
-          </a:p>
-          <a:p>
+              <a:t> </a:t>
+            </a:r>
+            <a:r>
+              <a:rPr lang="nl-NL" dirty="0" smtClean="0"/>
+              <a:t>7^83 </a:t>
+            </a:r>
             <a:r>
               <a:rPr lang="nl-NL" dirty="0"/>
-              <a:t>Min waarde: 82 * A = 1640</a:t>
-            </a:r>
+              <a:t>= </a:t>
+            </a:r>
+            <a:r>
+              <a:rPr lang="nl-NL" dirty="0" smtClean="0"/>
+              <a:t>1.39*10^70</a:t>
+            </a:r>
+            <a:endParaRPr lang="nl-NL" dirty="0"/>
           </a:p>
           <a:p>
             <a:r>
               <a:rPr lang="nl-NL" dirty="0"/>
-              <a:t>Max waarde: 82 * G = 3362</a:t>
-            </a:r>
+              <a:t>Min waarde: </a:t>
+            </a:r>
+            <a:r>
+              <a:rPr lang="nl-NL" dirty="0" smtClean="0"/>
+              <a:t>83 </a:t>
+            </a:r>
+            <a:r>
+              <a:rPr lang="nl-NL" dirty="0"/>
+              <a:t>* A = </a:t>
+            </a:r>
+            <a:r>
+              <a:rPr lang="nl-NL" dirty="0" smtClean="0"/>
+              <a:t>1660</a:t>
+            </a:r>
+            <a:endParaRPr lang="nl-NL" dirty="0"/>
+          </a:p>
+          <a:p>
+            <a:r>
+              <a:rPr lang="nl-NL" dirty="0"/>
+              <a:t>Max waarde: </a:t>
+            </a:r>
+            <a:r>
+              <a:rPr lang="nl-NL" dirty="0" smtClean="0"/>
+              <a:t>83 </a:t>
+            </a:r>
+            <a:r>
+              <a:rPr lang="nl-NL" dirty="0"/>
+              <a:t>* G = </a:t>
+            </a:r>
+            <a:r>
+              <a:rPr lang="nl-NL" dirty="0" smtClean="0"/>
+              <a:t>3403</a:t>
+            </a:r>
+            <a:endParaRPr lang="nl-NL" dirty="0"/>
           </a:p>
           <a:p>
             <a:endParaRPr lang="nl-NL" dirty="0"/>
@@ -7579,6 +8570,10 @@
             <a:pPr marL="0" indent="0">
               <a:buNone/>
             </a:pPr>
+            <a:r>
+              <a:rPr lang="nl-NL" dirty="0"/>
+              <a:t/>
+            </a:r>
             <a:br>
               <a:rPr lang="nl-NL" dirty="0"/>
             </a:br>
@@ -7936,7 +8931,7 @@
   <a:extraClrSchemeLst/>
   <a:extLst>
     <a:ext uri="{05A4C25C-085E-4340-85A3-A5531E510DB2}">
-      <thm15:themeFamily xmlns:thm15="http://schemas.microsoft.com/office/thememl/2012/main" name="Office Theme" id="{62F939B6-93AF-4DB8-9C6B-D6C7DFDC589F}" vid="{4A3C46E8-61CC-4603-A589-7422A47A8E4A}"/>
+      <thm15:themeFamily xmlns:thm15="http://schemas.microsoft.com/office/thememl/2012/main" xmlns="" name="Office Theme" id="{62F939B6-93AF-4DB8-9C6B-D6C7DFDC589F}" vid="{4A3C46E8-61CC-4603-A589-7422A47A8E4A}"/>
     </a:ext>
   </a:extLst>
 </a:theme>
@@ -8231,7 +9226,7 @@
   <a:extraClrSchemeLst/>
   <a:extLst>
     <a:ext uri="{05A4C25C-085E-4340-85A3-A5531E510DB2}">
-      <thm15:themeFamily xmlns:thm15="http://schemas.microsoft.com/office/thememl/2012/main" name="Office Theme" id="{62F939B6-93AF-4DB8-9C6B-D6C7DFDC589F}" vid="{4A3C46E8-61CC-4603-A589-7422A47A8E4A}"/>
+      <thm15:themeFamily xmlns:thm15="http://schemas.microsoft.com/office/thememl/2012/main" xmlns="" name="Office Theme" id="{62F939B6-93AF-4DB8-9C6B-D6C7DFDC589F}" vid="{4A3C46E8-61CC-4603-A589-7422A47A8E4A}"/>
     </a:ext>
   </a:extLst>
 </a:theme>
